--- a/HTML/ppt/08.pptx
+++ b/HTML/ppt/08.pptx
@@ -121,7 +121,7 @@
   </p:defaultTextStyle>
   <p:extLst>
     <p:ext uri="{EFAFB233-063F-42B5-8137-9DF3F51BA10A}">
-      <p15:sldGuideLst xmlns:p15="http://schemas.microsoft.com/office/powerpoint/2012/main"/>
+      <p15:sldGuideLst xmlns:p15="http://schemas.microsoft.com/office/powerpoint/2012/main" xmlns=""/>
     </p:ext>
   </p:extLst>
 </p:presentation>
@@ -206,7 +206,7 @@
           <a:p>
             <a:fld id="{AA93C23F-80D8-41F7-A602-5BAA4D96D6F7}" type="datetimeFigureOut">
               <a:rPr lang="ko-KR" altLang="en-US" smtClean="0"/>
-              <a:t>2021-01-14</a:t>
+              <a:t>2021-09-17</a:t>
             </a:fld>
             <a:endParaRPr lang="ko-KR" altLang="en-US"/>
           </a:p>
@@ -259,7 +259,7 @@
           <p:cNvPr id="7" name="그림 6">
             <a:extLst>
               <a:ext uri="{FF2B5EF4-FFF2-40B4-BE49-F238E27FC236}">
-                <a16:creationId xmlns:a16="http://schemas.microsoft.com/office/drawing/2014/main" id="{07614ECC-682A-43C2-99CA-0638D3969CAD}"/>
+                <a16:creationId xmlns:a16="http://schemas.microsoft.com/office/drawing/2014/main" xmlns="" id="{07614ECC-682A-43C2-99CA-0638D3969CAD}"/>
               </a:ext>
             </a:extLst>
           </p:cNvPr>
@@ -269,7 +269,7 @@
           <p:nvPr userDrawn="1"/>
         </p:nvPicPr>
         <p:blipFill>
-          <a:blip r:embed="rId2">
+          <a:blip r:embed="rId2" cstate="print">
             <a:extLst>
               <a:ext uri="{28A0092B-C50C-407E-A947-70E740481C1C}">
                 <a14:useLocalDpi xmlns:a14="http://schemas.microsoft.com/office/drawing/2010/main" val="0"/>
@@ -295,7 +295,7 @@
           <p:cNvPr id="12" name="그림 11">
             <a:extLst>
               <a:ext uri="{FF2B5EF4-FFF2-40B4-BE49-F238E27FC236}">
-                <a16:creationId xmlns:a16="http://schemas.microsoft.com/office/drawing/2014/main" id="{2DACDF48-EF40-451F-A48F-AFF99B099716}"/>
+                <a16:creationId xmlns:a16="http://schemas.microsoft.com/office/drawing/2014/main" xmlns="" id="{2DACDF48-EF40-451F-A48F-AFF99B099716}"/>
               </a:ext>
             </a:extLst>
           </p:cNvPr>
@@ -305,7 +305,7 @@
           <p:nvPr userDrawn="1"/>
         </p:nvPicPr>
         <p:blipFill rotWithShape="1">
-          <a:blip r:embed="rId3">
+          <a:blip r:embed="rId3" cstate="print">
             <a:extLst>
               <a:ext uri="{28A0092B-C50C-407E-A947-70E740481C1C}">
                 <a14:useLocalDpi xmlns:a14="http://schemas.microsoft.com/office/drawing/2010/main" val="0"/>
@@ -335,7 +335,7 @@
           <p:cNvPr id="11" name="직사각형 10">
             <a:extLst>
               <a:ext uri="{FF2B5EF4-FFF2-40B4-BE49-F238E27FC236}">
-                <a16:creationId xmlns:a16="http://schemas.microsoft.com/office/drawing/2014/main" id="{4E0D822C-E76D-4041-9019-177102919703}"/>
+                <a16:creationId xmlns:a16="http://schemas.microsoft.com/office/drawing/2014/main" xmlns="" id="{4E0D822C-E76D-4041-9019-177102919703}"/>
               </a:ext>
             </a:extLst>
           </p:cNvPr>
@@ -504,7 +504,7 @@
           <a:p>
             <a:fld id="{AA93C23F-80D8-41F7-A602-5BAA4D96D6F7}" type="datetimeFigureOut">
               <a:rPr lang="ko-KR" altLang="en-US" smtClean="0"/>
-              <a:t>2021-01-14</a:t>
+              <a:t>2021-09-17</a:t>
             </a:fld>
             <a:endParaRPr lang="ko-KR" altLang="en-US"/>
           </a:p>
@@ -682,7 +682,7 @@
           <a:p>
             <a:fld id="{AA93C23F-80D8-41F7-A602-5BAA4D96D6F7}" type="datetimeFigureOut">
               <a:rPr lang="ko-KR" altLang="en-US" smtClean="0"/>
-              <a:t>2021-01-14</a:t>
+              <a:t>2021-09-17</a:t>
             </a:fld>
             <a:endParaRPr lang="ko-KR" altLang="en-US"/>
           </a:p>
@@ -765,7 +765,7 @@
           <p:cNvPr id="2" name="제목 1">
             <a:extLst>
               <a:ext uri="{FF2B5EF4-FFF2-40B4-BE49-F238E27FC236}">
-                <a16:creationId xmlns:a16="http://schemas.microsoft.com/office/drawing/2014/main" id="{1706266A-C624-42C8-B7AE-4176FFA57D3A}"/>
+                <a16:creationId xmlns:a16="http://schemas.microsoft.com/office/drawing/2014/main" xmlns="" id="{1706266A-C624-42C8-B7AE-4176FFA57D3A}"/>
               </a:ext>
             </a:extLst>
           </p:cNvPr>
@@ -802,7 +802,7 @@
           <p:cNvPr id="3" name="부제목 2">
             <a:extLst>
               <a:ext uri="{FF2B5EF4-FFF2-40B4-BE49-F238E27FC236}">
-                <a16:creationId xmlns:a16="http://schemas.microsoft.com/office/drawing/2014/main" id="{CF1E8150-D664-4750-BFAF-800E899E164E}"/>
+                <a16:creationId xmlns:a16="http://schemas.microsoft.com/office/drawing/2014/main" xmlns="" id="{CF1E8150-D664-4750-BFAF-800E899E164E}"/>
               </a:ext>
             </a:extLst>
           </p:cNvPr>
@@ -872,7 +872,7 @@
           <p:cNvPr id="4" name="날짜 개체 틀 3">
             <a:extLst>
               <a:ext uri="{FF2B5EF4-FFF2-40B4-BE49-F238E27FC236}">
-                <a16:creationId xmlns:a16="http://schemas.microsoft.com/office/drawing/2014/main" id="{B77FCA92-17C5-41B3-A975-E0729DBEBFBF}"/>
+                <a16:creationId xmlns:a16="http://schemas.microsoft.com/office/drawing/2014/main" xmlns="" id="{B77FCA92-17C5-41B3-A975-E0729DBEBFBF}"/>
               </a:ext>
             </a:extLst>
           </p:cNvPr>
@@ -890,7 +890,7 @@
           <a:p>
             <a:fld id="{7A0B29D9-43B6-4ACD-848D-FA6E666794B9}" type="datetimeFigureOut">
               <a:rPr lang="ko-KR" altLang="en-US" smtClean="0"/>
-              <a:t>2021-01-14</a:t>
+              <a:t>2021-09-17</a:t>
             </a:fld>
             <a:endParaRPr lang="ko-KR" altLang="en-US"/>
           </a:p>
@@ -901,7 +901,7 @@
           <p:cNvPr id="5" name="바닥글 개체 틀 4">
             <a:extLst>
               <a:ext uri="{FF2B5EF4-FFF2-40B4-BE49-F238E27FC236}">
-                <a16:creationId xmlns:a16="http://schemas.microsoft.com/office/drawing/2014/main" id="{90773A2D-2644-4295-A92E-C83D7ECA0114}"/>
+                <a16:creationId xmlns:a16="http://schemas.microsoft.com/office/drawing/2014/main" xmlns="" id="{90773A2D-2644-4295-A92E-C83D7ECA0114}"/>
               </a:ext>
             </a:extLst>
           </p:cNvPr>
@@ -926,7 +926,7 @@
           <p:cNvPr id="6" name="슬라이드 번호 개체 틀 5">
             <a:extLst>
               <a:ext uri="{FF2B5EF4-FFF2-40B4-BE49-F238E27FC236}">
-                <a16:creationId xmlns:a16="http://schemas.microsoft.com/office/drawing/2014/main" id="{8DB65557-D1D1-44F5-9A09-7A27A7500ACA}"/>
+                <a16:creationId xmlns:a16="http://schemas.microsoft.com/office/drawing/2014/main" xmlns="" id="{8DB65557-D1D1-44F5-9A09-7A27A7500ACA}"/>
               </a:ext>
             </a:extLst>
           </p:cNvPr>
@@ -1086,7 +1086,7 @@
           <a:p>
             <a:fld id="{AA93C23F-80D8-41F7-A602-5BAA4D96D6F7}" type="datetimeFigureOut">
               <a:rPr lang="ko-KR" altLang="en-US" smtClean="0"/>
-              <a:t>2021-01-14</a:t>
+              <a:t>2021-09-17</a:t>
             </a:fld>
             <a:endParaRPr lang="ko-KR" altLang="en-US"/>
           </a:p>
@@ -1331,7 +1331,7 @@
           <a:p>
             <a:fld id="{AA93C23F-80D8-41F7-A602-5BAA4D96D6F7}" type="datetimeFigureOut">
               <a:rPr lang="ko-KR" altLang="en-US" smtClean="0"/>
-              <a:t>2021-01-14</a:t>
+              <a:t>2021-09-17</a:t>
             </a:fld>
             <a:endParaRPr lang="ko-KR" altLang="en-US"/>
           </a:p>
@@ -1560,7 +1560,7 @@
           <a:p>
             <a:fld id="{AA93C23F-80D8-41F7-A602-5BAA4D96D6F7}" type="datetimeFigureOut">
               <a:rPr lang="ko-KR" altLang="en-US" smtClean="0"/>
-              <a:t>2021-01-14</a:t>
+              <a:t>2021-09-17</a:t>
             </a:fld>
             <a:endParaRPr lang="ko-KR" altLang="en-US"/>
           </a:p>
@@ -1924,7 +1924,7 @@
           <a:p>
             <a:fld id="{AA93C23F-80D8-41F7-A602-5BAA4D96D6F7}" type="datetimeFigureOut">
               <a:rPr lang="ko-KR" altLang="en-US" smtClean="0"/>
-              <a:t>2021-01-14</a:t>
+              <a:t>2021-09-17</a:t>
             </a:fld>
             <a:endParaRPr lang="ko-KR" altLang="en-US"/>
           </a:p>
@@ -2046,7 +2046,7 @@
           <a:p>
             <a:fld id="{AA93C23F-80D8-41F7-A602-5BAA4D96D6F7}" type="datetimeFigureOut">
               <a:rPr lang="ko-KR" altLang="en-US" smtClean="0"/>
-              <a:t>2021-01-14</a:t>
+              <a:t>2021-09-17</a:t>
             </a:fld>
             <a:endParaRPr lang="ko-KR" altLang="en-US"/>
           </a:p>
@@ -2141,7 +2141,7 @@
           <a:p>
             <a:fld id="{AA93C23F-80D8-41F7-A602-5BAA4D96D6F7}" type="datetimeFigureOut">
               <a:rPr lang="ko-KR" altLang="en-US" smtClean="0"/>
-              <a:t>2021-01-14</a:t>
+              <a:t>2021-09-17</a:t>
             </a:fld>
             <a:endParaRPr lang="ko-KR" altLang="en-US"/>
           </a:p>
@@ -2416,7 +2416,7 @@
           <a:p>
             <a:fld id="{AA93C23F-80D8-41F7-A602-5BAA4D96D6F7}" type="datetimeFigureOut">
               <a:rPr lang="ko-KR" altLang="en-US" smtClean="0"/>
-              <a:t>2021-01-14</a:t>
+              <a:t>2021-09-17</a:t>
             </a:fld>
             <a:endParaRPr lang="ko-KR" altLang="en-US"/>
           </a:p>
@@ -2671,7 +2671,7 @@
           <a:p>
             <a:fld id="{AA93C23F-80D8-41F7-A602-5BAA4D96D6F7}" type="datetimeFigureOut">
               <a:rPr lang="ko-KR" altLang="en-US" smtClean="0"/>
-              <a:t>2021-01-14</a:t>
+              <a:t>2021-09-17</a:t>
             </a:fld>
             <a:endParaRPr lang="ko-KR" altLang="en-US"/>
           </a:p>
@@ -2759,7 +2759,7 @@
           <p:cNvPr id="7" name="직사각형 6">
             <a:extLst>
               <a:ext uri="{FF2B5EF4-FFF2-40B4-BE49-F238E27FC236}">
-                <a16:creationId xmlns:a16="http://schemas.microsoft.com/office/drawing/2014/main" id="{63317FCE-2A0E-48C2-8A7C-05C172CEA588}"/>
+                <a16:creationId xmlns:a16="http://schemas.microsoft.com/office/drawing/2014/main" xmlns="" id="{63317FCE-2A0E-48C2-8A7C-05C172CEA588}"/>
               </a:ext>
             </a:extLst>
           </p:cNvPr>
@@ -2915,7 +2915,7 @@
           <a:p>
             <a:fld id="{AA93C23F-80D8-41F7-A602-5BAA4D96D6F7}" type="datetimeFigureOut">
               <a:rPr lang="ko-KR" altLang="en-US" smtClean="0"/>
-              <a:t>2021-01-14</a:t>
+              <a:t>2021-09-17</a:t>
             </a:fld>
             <a:endParaRPr lang="ko-KR" altLang="en-US"/>
           </a:p>
@@ -3359,7 +3359,7 @@
           <p:cNvPr id="2" name="제목 1">
             <a:extLst>
               <a:ext uri="{FF2B5EF4-FFF2-40B4-BE49-F238E27FC236}">
-                <a16:creationId xmlns:a16="http://schemas.microsoft.com/office/drawing/2014/main" id="{05C7C753-9F88-4254-9862-F6A87176F751}"/>
+                <a16:creationId xmlns:a16="http://schemas.microsoft.com/office/drawing/2014/main" xmlns="" id="{05C7C753-9F88-4254-9862-F6A87176F751}"/>
               </a:ext>
             </a:extLst>
           </p:cNvPr>
@@ -3390,6 +3390,10 @@
               <a:rPr lang="ko-KR" altLang="en-US"/>
               <a:t>레이아웃을 구성하는 </a:t>
             </a:r>
+            <a:r>
+              <a:rPr lang="en-US" altLang="ko-KR"/>
+              <a:t/>
+            </a:r>
             <a:br>
               <a:rPr lang="en-US" altLang="ko-KR"/>
             </a:br>
@@ -3409,7 +3413,7 @@
           <p:cNvPr id="7" name="그룹 6">
             <a:extLst>
               <a:ext uri="{FF2B5EF4-FFF2-40B4-BE49-F238E27FC236}">
-                <a16:creationId xmlns:a16="http://schemas.microsoft.com/office/drawing/2014/main" id="{3020E55D-5D6E-47B7-BF49-67DF43FF0CB8}"/>
+                <a16:creationId xmlns:a16="http://schemas.microsoft.com/office/drawing/2014/main" xmlns="" id="{3020E55D-5D6E-47B7-BF49-67DF43FF0CB8}"/>
               </a:ext>
             </a:extLst>
           </p:cNvPr>
@@ -3429,7 +3433,7 @@
             <p:cNvPr id="4" name="직사각형 3">
               <a:extLst>
                 <a:ext uri="{FF2B5EF4-FFF2-40B4-BE49-F238E27FC236}">
-                  <a16:creationId xmlns:a16="http://schemas.microsoft.com/office/drawing/2014/main" id="{7E6505BA-A9A1-46F5-BFC6-A45ABCE494AF}"/>
+                  <a16:creationId xmlns:a16="http://schemas.microsoft.com/office/drawing/2014/main" xmlns="" id="{7E6505BA-A9A1-46F5-BFC6-A45ABCE494AF}"/>
                 </a:ext>
               </a:extLst>
             </p:cNvPr>
@@ -3496,7 +3500,7 @@
             <p:cNvPr id="5" name="TextBox 4">
               <a:extLst>
                 <a:ext uri="{FF2B5EF4-FFF2-40B4-BE49-F238E27FC236}">
-                  <a16:creationId xmlns:a16="http://schemas.microsoft.com/office/drawing/2014/main" id="{2FAFC29B-A5E1-4F15-A5FF-C528129D6456}"/>
+                  <a16:creationId xmlns:a16="http://schemas.microsoft.com/office/drawing/2014/main" xmlns="" id="{2FAFC29B-A5E1-4F15-A5FF-C528129D6456}"/>
                 </a:ext>
               </a:extLst>
             </p:cNvPr>
@@ -3535,7 +3539,7 @@
             <p:cNvPr id="6" name="직선 연결선 5">
               <a:extLst>
                 <a:ext uri="{FF2B5EF4-FFF2-40B4-BE49-F238E27FC236}">
-                  <a16:creationId xmlns:a16="http://schemas.microsoft.com/office/drawing/2014/main" id="{D5239A65-4609-4585-95B3-13DD43DCD16F}"/>
+                  <a16:creationId xmlns:a16="http://schemas.microsoft.com/office/drawing/2014/main" xmlns="" id="{D5239A65-4609-4585-95B3-13DD43DCD16F}"/>
                 </a:ext>
               </a:extLst>
             </p:cNvPr>
@@ -3580,7 +3584,7 @@
           <p:cNvPr id="8" name="그룹 7">
             <a:extLst>
               <a:ext uri="{FF2B5EF4-FFF2-40B4-BE49-F238E27FC236}">
-                <a16:creationId xmlns:a16="http://schemas.microsoft.com/office/drawing/2014/main" id="{B0614DCC-6E2E-42A1-B1BF-C91E3AC40249}"/>
+                <a16:creationId xmlns:a16="http://schemas.microsoft.com/office/drawing/2014/main" xmlns="" id="{B0614DCC-6E2E-42A1-B1BF-C91E3AC40249}"/>
               </a:ext>
             </a:extLst>
           </p:cNvPr>
@@ -3600,7 +3604,7 @@
             <p:cNvPr id="9" name="직사각형 8">
               <a:extLst>
                 <a:ext uri="{FF2B5EF4-FFF2-40B4-BE49-F238E27FC236}">
-                  <a16:creationId xmlns:a16="http://schemas.microsoft.com/office/drawing/2014/main" id="{A3E3C4D2-1DBA-4A0E-A550-EAF2AB14C472}"/>
+                  <a16:creationId xmlns:a16="http://schemas.microsoft.com/office/drawing/2014/main" xmlns="" id="{A3E3C4D2-1DBA-4A0E-A550-EAF2AB14C472}"/>
                 </a:ext>
               </a:extLst>
             </p:cNvPr>
@@ -3667,7 +3671,7 @@
             <p:cNvPr id="10" name="TextBox 9">
               <a:extLst>
                 <a:ext uri="{FF2B5EF4-FFF2-40B4-BE49-F238E27FC236}">
-                  <a16:creationId xmlns:a16="http://schemas.microsoft.com/office/drawing/2014/main" id="{82B8F594-A03E-4F15-991E-441D5CF52391}"/>
+                  <a16:creationId xmlns:a16="http://schemas.microsoft.com/office/drawing/2014/main" xmlns="" id="{82B8F594-A03E-4F15-991E-441D5CF52391}"/>
                 </a:ext>
               </a:extLst>
             </p:cNvPr>
@@ -3702,7 +3706,7 @@
             <p:cNvPr id="11" name="직선 연결선 10">
               <a:extLst>
                 <a:ext uri="{FF2B5EF4-FFF2-40B4-BE49-F238E27FC236}">
-                  <a16:creationId xmlns:a16="http://schemas.microsoft.com/office/drawing/2014/main" id="{F6B9519B-E0ED-422F-B742-F74725D5E567}"/>
+                  <a16:creationId xmlns:a16="http://schemas.microsoft.com/office/drawing/2014/main" xmlns="" id="{F6B9519B-E0ED-422F-B742-F74725D5E567}"/>
                 </a:ext>
               </a:extLst>
             </p:cNvPr>
@@ -3747,7 +3751,7 @@
           <p:cNvPr id="12" name="그룹 11">
             <a:extLst>
               <a:ext uri="{FF2B5EF4-FFF2-40B4-BE49-F238E27FC236}">
-                <a16:creationId xmlns:a16="http://schemas.microsoft.com/office/drawing/2014/main" id="{AC6A8E73-B5AC-4BF3-884C-7FD4308504DC}"/>
+                <a16:creationId xmlns:a16="http://schemas.microsoft.com/office/drawing/2014/main" xmlns="" id="{AC6A8E73-B5AC-4BF3-884C-7FD4308504DC}"/>
               </a:ext>
             </a:extLst>
           </p:cNvPr>
@@ -3767,7 +3771,7 @@
             <p:cNvPr id="13" name="직사각형 12">
               <a:extLst>
                 <a:ext uri="{FF2B5EF4-FFF2-40B4-BE49-F238E27FC236}">
-                  <a16:creationId xmlns:a16="http://schemas.microsoft.com/office/drawing/2014/main" id="{CCA58518-65D0-4495-A168-16C62B6DFB21}"/>
+                  <a16:creationId xmlns:a16="http://schemas.microsoft.com/office/drawing/2014/main" xmlns="" id="{CCA58518-65D0-4495-A168-16C62B6DFB21}"/>
                 </a:ext>
               </a:extLst>
             </p:cNvPr>
@@ -3834,7 +3838,7 @@
             <p:cNvPr id="14" name="TextBox 13">
               <a:extLst>
                 <a:ext uri="{FF2B5EF4-FFF2-40B4-BE49-F238E27FC236}">
-                  <a16:creationId xmlns:a16="http://schemas.microsoft.com/office/drawing/2014/main" id="{F53DA1B2-602B-4A3F-B2FE-09DDDEE338EE}"/>
+                  <a16:creationId xmlns:a16="http://schemas.microsoft.com/office/drawing/2014/main" xmlns="" id="{F53DA1B2-602B-4A3F-B2FE-09DDDEE338EE}"/>
                 </a:ext>
               </a:extLst>
             </p:cNvPr>
@@ -3869,7 +3873,7 @@
             <p:cNvPr id="15" name="직선 연결선 14">
               <a:extLst>
                 <a:ext uri="{FF2B5EF4-FFF2-40B4-BE49-F238E27FC236}">
-                  <a16:creationId xmlns:a16="http://schemas.microsoft.com/office/drawing/2014/main" id="{3B609F01-E5D7-43B8-94AB-7257DEABD120}"/>
+                  <a16:creationId xmlns:a16="http://schemas.microsoft.com/office/drawing/2014/main" xmlns="" id="{3B609F01-E5D7-43B8-94AB-7257DEABD120}"/>
                 </a:ext>
               </a:extLst>
             </p:cNvPr>
@@ -3914,7 +3918,7 @@
           <p:cNvPr id="16" name="그룹 15">
             <a:extLst>
               <a:ext uri="{FF2B5EF4-FFF2-40B4-BE49-F238E27FC236}">
-                <a16:creationId xmlns:a16="http://schemas.microsoft.com/office/drawing/2014/main" id="{F4A99126-8CB6-4014-83C6-C2C82961E572}"/>
+                <a16:creationId xmlns:a16="http://schemas.microsoft.com/office/drawing/2014/main" xmlns="" id="{F4A99126-8CB6-4014-83C6-C2C82961E572}"/>
               </a:ext>
             </a:extLst>
           </p:cNvPr>
@@ -3934,7 +3938,7 @@
             <p:cNvPr id="17" name="직사각형 16">
               <a:extLst>
                 <a:ext uri="{FF2B5EF4-FFF2-40B4-BE49-F238E27FC236}">
-                  <a16:creationId xmlns:a16="http://schemas.microsoft.com/office/drawing/2014/main" id="{6E7351EC-B8D1-47CB-9B25-7ABCDD6EA23D}"/>
+                  <a16:creationId xmlns:a16="http://schemas.microsoft.com/office/drawing/2014/main" xmlns="" id="{6E7351EC-B8D1-47CB-9B25-7ABCDD6EA23D}"/>
                 </a:ext>
               </a:extLst>
             </p:cNvPr>
@@ -4001,7 +4005,7 @@
             <p:cNvPr id="18" name="TextBox 17">
               <a:extLst>
                 <a:ext uri="{FF2B5EF4-FFF2-40B4-BE49-F238E27FC236}">
-                  <a16:creationId xmlns:a16="http://schemas.microsoft.com/office/drawing/2014/main" id="{8E8D9283-50D0-404B-A358-3A5496DE8ABF}"/>
+                  <a16:creationId xmlns:a16="http://schemas.microsoft.com/office/drawing/2014/main" xmlns="" id="{8E8D9283-50D0-404B-A358-3A5496DE8ABF}"/>
                 </a:ext>
               </a:extLst>
             </p:cNvPr>
@@ -4036,7 +4040,7 @@
             <p:cNvPr id="19" name="직선 연결선 18">
               <a:extLst>
                 <a:ext uri="{FF2B5EF4-FFF2-40B4-BE49-F238E27FC236}">
-                  <a16:creationId xmlns:a16="http://schemas.microsoft.com/office/drawing/2014/main" id="{F0B65BD2-F8B3-45EF-93CB-3F9B60BCF98C}"/>
+                  <a16:creationId xmlns:a16="http://schemas.microsoft.com/office/drawing/2014/main" xmlns="" id="{F0B65BD2-F8B3-45EF-93CB-3F9B60BCF98C}"/>
                 </a:ext>
               </a:extLst>
             </p:cNvPr>
@@ -4081,7 +4085,7 @@
           <p:cNvPr id="20" name="그룹 19">
             <a:extLst>
               <a:ext uri="{FF2B5EF4-FFF2-40B4-BE49-F238E27FC236}">
-                <a16:creationId xmlns:a16="http://schemas.microsoft.com/office/drawing/2014/main" id="{14543BA1-34CB-4729-A8AA-6891A8A0D332}"/>
+                <a16:creationId xmlns:a16="http://schemas.microsoft.com/office/drawing/2014/main" xmlns="" id="{14543BA1-34CB-4729-A8AA-6891A8A0D332}"/>
               </a:ext>
             </a:extLst>
           </p:cNvPr>
@@ -4101,7 +4105,7 @@
             <p:cNvPr id="21" name="직사각형 20">
               <a:extLst>
                 <a:ext uri="{FF2B5EF4-FFF2-40B4-BE49-F238E27FC236}">
-                  <a16:creationId xmlns:a16="http://schemas.microsoft.com/office/drawing/2014/main" id="{A30FD20F-0B8D-429C-B77B-1AAD044160C3}"/>
+                  <a16:creationId xmlns:a16="http://schemas.microsoft.com/office/drawing/2014/main" xmlns="" id="{A30FD20F-0B8D-429C-B77B-1AAD044160C3}"/>
                 </a:ext>
               </a:extLst>
             </p:cNvPr>
@@ -4168,7 +4172,7 @@
             <p:cNvPr id="22" name="TextBox 21">
               <a:extLst>
                 <a:ext uri="{FF2B5EF4-FFF2-40B4-BE49-F238E27FC236}">
-                  <a16:creationId xmlns:a16="http://schemas.microsoft.com/office/drawing/2014/main" id="{A93D2A2D-3F35-4ED5-857F-5F6DCB2A3963}"/>
+                  <a16:creationId xmlns:a16="http://schemas.microsoft.com/office/drawing/2014/main" xmlns="" id="{A93D2A2D-3F35-4ED5-857F-5F6DCB2A3963}"/>
                 </a:ext>
               </a:extLst>
             </p:cNvPr>
@@ -4203,7 +4207,7 @@
             <p:cNvPr id="23" name="직선 연결선 22">
               <a:extLst>
                 <a:ext uri="{FF2B5EF4-FFF2-40B4-BE49-F238E27FC236}">
-                  <a16:creationId xmlns:a16="http://schemas.microsoft.com/office/drawing/2014/main" id="{3F661305-AB95-4277-A625-ED17E3ACA7AF}"/>
+                  <a16:creationId xmlns:a16="http://schemas.microsoft.com/office/drawing/2014/main" xmlns="" id="{3F661305-AB95-4277-A625-ED17E3ACA7AF}"/>
                 </a:ext>
               </a:extLst>
             </p:cNvPr>
@@ -4278,7 +4282,7 @@
           <p:cNvPr id="2" name="제목 1">
             <a:extLst>
               <a:ext uri="{FF2B5EF4-FFF2-40B4-BE49-F238E27FC236}">
-                <a16:creationId xmlns:a16="http://schemas.microsoft.com/office/drawing/2014/main" id="{5F9662B7-7655-4421-9CBC-039B16D64858}"/>
+                <a16:creationId xmlns:a16="http://schemas.microsoft.com/office/drawing/2014/main" xmlns="" id="{5F9662B7-7655-4421-9CBC-039B16D64858}"/>
               </a:ext>
             </a:extLst>
           </p:cNvPr>
@@ -4306,7 +4310,7 @@
           <p:cNvPr id="3" name="TextBox 2">
             <a:extLst>
               <a:ext uri="{FF2B5EF4-FFF2-40B4-BE49-F238E27FC236}">
-                <a16:creationId xmlns:a16="http://schemas.microsoft.com/office/drawing/2014/main" id="{ECD4B778-EF46-4DDA-8CC4-344399211D06}"/>
+                <a16:creationId xmlns:a16="http://schemas.microsoft.com/office/drawing/2014/main" xmlns="" id="{ECD4B778-EF46-4DDA-8CC4-344399211D06}"/>
               </a:ext>
             </a:extLst>
           </p:cNvPr>
@@ -4345,7 +4349,7 @@
           <p:cNvPr id="4" name="TextBox 3">
             <a:extLst>
               <a:ext uri="{FF2B5EF4-FFF2-40B4-BE49-F238E27FC236}">
-                <a16:creationId xmlns:a16="http://schemas.microsoft.com/office/drawing/2014/main" id="{4509D09A-70A4-498C-B393-C6870CD9595C}"/>
+                <a16:creationId xmlns:a16="http://schemas.microsoft.com/office/drawing/2014/main" xmlns="" id="{4509D09A-70A4-498C-B393-C6870CD9595C}"/>
               </a:ext>
             </a:extLst>
           </p:cNvPr>
@@ -4406,7 +4410,7 @@
           <p:cNvPr id="5" name="TextBox 4">
             <a:extLst>
               <a:ext uri="{FF2B5EF4-FFF2-40B4-BE49-F238E27FC236}">
-                <a16:creationId xmlns:a16="http://schemas.microsoft.com/office/drawing/2014/main" id="{36F1F1FE-1C19-457B-A9E9-0B7C17FA1B25}"/>
+                <a16:creationId xmlns:a16="http://schemas.microsoft.com/office/drawing/2014/main" xmlns="" id="{36F1F1FE-1C19-457B-A9E9-0B7C17FA1B25}"/>
               </a:ext>
             </a:extLst>
           </p:cNvPr>
@@ -4441,7 +4445,7 @@
           <p:cNvPr id="9" name="그림 8">
             <a:extLst>
               <a:ext uri="{FF2B5EF4-FFF2-40B4-BE49-F238E27FC236}">
-                <a16:creationId xmlns:a16="http://schemas.microsoft.com/office/drawing/2014/main" id="{5826EA8D-4C07-4314-9516-4206E5AB22A0}"/>
+                <a16:creationId xmlns:a16="http://schemas.microsoft.com/office/drawing/2014/main" xmlns="" id="{5826EA8D-4C07-4314-9516-4206E5AB22A0}"/>
               </a:ext>
             </a:extLst>
           </p:cNvPr>
@@ -4471,7 +4475,7 @@
           <p:cNvPr id="12" name="그림 11">
             <a:extLst>
               <a:ext uri="{FF2B5EF4-FFF2-40B4-BE49-F238E27FC236}">
-                <a16:creationId xmlns:a16="http://schemas.microsoft.com/office/drawing/2014/main" id="{55643D97-36E7-4869-9B4C-66CDFFA1A740}"/>
+                <a16:creationId xmlns:a16="http://schemas.microsoft.com/office/drawing/2014/main" xmlns="" id="{55643D97-36E7-4869-9B4C-66CDFFA1A740}"/>
               </a:ext>
             </a:extLst>
           </p:cNvPr>
@@ -4531,7 +4535,7 @@
           <p:cNvPr id="2" name="제목 1">
             <a:extLst>
               <a:ext uri="{FF2B5EF4-FFF2-40B4-BE49-F238E27FC236}">
-                <a16:creationId xmlns:a16="http://schemas.microsoft.com/office/drawing/2014/main" id="{1FAE9B60-DF42-4AA7-A243-11782AA34EDF}"/>
+                <a16:creationId xmlns:a16="http://schemas.microsoft.com/office/drawing/2014/main" xmlns="" id="{1FAE9B60-DF42-4AA7-A243-11782AA34EDF}"/>
               </a:ext>
             </a:extLst>
           </p:cNvPr>
@@ -4559,7 +4563,7 @@
           <p:cNvPr id="3" name="TextBox 2">
             <a:extLst>
               <a:ext uri="{FF2B5EF4-FFF2-40B4-BE49-F238E27FC236}">
-                <a16:creationId xmlns:a16="http://schemas.microsoft.com/office/drawing/2014/main" id="{05D6C4E7-FC78-4379-A8FA-BD1666C523FB}"/>
+                <a16:creationId xmlns:a16="http://schemas.microsoft.com/office/drawing/2014/main" xmlns="" id="{05D6C4E7-FC78-4379-A8FA-BD1666C523FB}"/>
               </a:ext>
             </a:extLst>
           </p:cNvPr>
@@ -4598,7 +4602,7 @@
           <p:cNvPr id="4" name="TextBox 3">
             <a:extLst>
               <a:ext uri="{FF2B5EF4-FFF2-40B4-BE49-F238E27FC236}">
-                <a16:creationId xmlns:a16="http://schemas.microsoft.com/office/drawing/2014/main" id="{33A02E3D-BB0F-4232-B144-1CF2944A1623}"/>
+                <a16:creationId xmlns:a16="http://schemas.microsoft.com/office/drawing/2014/main" xmlns="" id="{33A02E3D-BB0F-4232-B144-1CF2944A1623}"/>
               </a:ext>
             </a:extLst>
           </p:cNvPr>
@@ -4662,7 +4666,7 @@
           <p:cNvPr id="6" name="그림 5">
             <a:extLst>
               <a:ext uri="{FF2B5EF4-FFF2-40B4-BE49-F238E27FC236}">
-                <a16:creationId xmlns:a16="http://schemas.microsoft.com/office/drawing/2014/main" id="{4452A041-9207-4639-8B57-7FF4ACE80733}"/>
+                <a16:creationId xmlns:a16="http://schemas.microsoft.com/office/drawing/2014/main" xmlns="" id="{4452A041-9207-4639-8B57-7FF4ACE80733}"/>
               </a:ext>
             </a:extLst>
           </p:cNvPr>
@@ -4692,7 +4696,7 @@
           <p:cNvPr id="8" name="그림 7">
             <a:extLst>
               <a:ext uri="{FF2B5EF4-FFF2-40B4-BE49-F238E27FC236}">
-                <a16:creationId xmlns:a16="http://schemas.microsoft.com/office/drawing/2014/main" id="{FDEDBDB2-DC02-4197-8DDE-08D80B044AC4}"/>
+                <a16:creationId xmlns:a16="http://schemas.microsoft.com/office/drawing/2014/main" xmlns="" id="{FDEDBDB2-DC02-4197-8DDE-08D80B044AC4}"/>
               </a:ext>
             </a:extLst>
           </p:cNvPr>
@@ -4722,7 +4726,7 @@
           <p:cNvPr id="9" name="TextBox 8">
             <a:extLst>
               <a:ext uri="{FF2B5EF4-FFF2-40B4-BE49-F238E27FC236}">
-                <a16:creationId xmlns:a16="http://schemas.microsoft.com/office/drawing/2014/main" id="{E62F46CB-AAEB-4F6D-A77F-C4C5DA6320E2}"/>
+                <a16:creationId xmlns:a16="http://schemas.microsoft.com/office/drawing/2014/main" xmlns="" id="{E62F46CB-AAEB-4F6D-A77F-C4C5DA6320E2}"/>
               </a:ext>
             </a:extLst>
           </p:cNvPr>
@@ -4761,7 +4765,7 @@
           <p:cNvPr id="10" name="TextBox 9">
             <a:extLst>
               <a:ext uri="{FF2B5EF4-FFF2-40B4-BE49-F238E27FC236}">
-                <a16:creationId xmlns:a16="http://schemas.microsoft.com/office/drawing/2014/main" id="{43534AAE-1328-47F6-B87F-B8455CE373C8}"/>
+                <a16:creationId xmlns:a16="http://schemas.microsoft.com/office/drawing/2014/main" xmlns="" id="{43534AAE-1328-47F6-B87F-B8455CE373C8}"/>
               </a:ext>
             </a:extLst>
           </p:cNvPr>
@@ -4838,7 +4842,7 @@
           <p:cNvPr id="12" name="그림 11">
             <a:extLst>
               <a:ext uri="{FF2B5EF4-FFF2-40B4-BE49-F238E27FC236}">
-                <a16:creationId xmlns:a16="http://schemas.microsoft.com/office/drawing/2014/main" id="{1EBB407D-5260-4F55-910C-89B303D1CF2D}"/>
+                <a16:creationId xmlns:a16="http://schemas.microsoft.com/office/drawing/2014/main" xmlns="" id="{1EBB407D-5260-4F55-910C-89B303D1CF2D}"/>
               </a:ext>
             </a:extLst>
           </p:cNvPr>
@@ -4868,7 +4872,7 @@
           <p:cNvPr id="14" name="그림 13">
             <a:extLst>
               <a:ext uri="{FF2B5EF4-FFF2-40B4-BE49-F238E27FC236}">
-                <a16:creationId xmlns:a16="http://schemas.microsoft.com/office/drawing/2014/main" id="{2F95C6A7-70C0-48C8-81FE-4371798CC125}"/>
+                <a16:creationId xmlns:a16="http://schemas.microsoft.com/office/drawing/2014/main" xmlns="" id="{2F95C6A7-70C0-48C8-81FE-4371798CC125}"/>
               </a:ext>
             </a:extLst>
           </p:cNvPr>
@@ -4898,7 +4902,7 @@
           <p:cNvPr id="18" name="화살표: 굽음 17">
             <a:extLst>
               <a:ext uri="{FF2B5EF4-FFF2-40B4-BE49-F238E27FC236}">
-                <a16:creationId xmlns:a16="http://schemas.microsoft.com/office/drawing/2014/main" id="{E076F5A9-5814-458D-A371-E18EF6725C92}"/>
+                <a16:creationId xmlns:a16="http://schemas.microsoft.com/office/drawing/2014/main" xmlns="" id="{E076F5A9-5814-458D-A371-E18EF6725C92}"/>
               </a:ext>
             </a:extLst>
           </p:cNvPr>
@@ -4962,7 +4966,7 @@
           <p:cNvPr id="20" name="그림 19">
             <a:extLst>
               <a:ext uri="{FF2B5EF4-FFF2-40B4-BE49-F238E27FC236}">
-                <a16:creationId xmlns:a16="http://schemas.microsoft.com/office/drawing/2014/main" id="{3E5E264E-018B-4F1B-B29D-7C97A4FF6707}"/>
+                <a16:creationId xmlns:a16="http://schemas.microsoft.com/office/drawing/2014/main" xmlns="" id="{3E5E264E-018B-4F1B-B29D-7C97A4FF6707}"/>
               </a:ext>
             </a:extLst>
           </p:cNvPr>
@@ -5022,7 +5026,7 @@
           <p:cNvPr id="2" name="제목 1">
             <a:extLst>
               <a:ext uri="{FF2B5EF4-FFF2-40B4-BE49-F238E27FC236}">
-                <a16:creationId xmlns:a16="http://schemas.microsoft.com/office/drawing/2014/main" id="{1FAE9B60-DF42-4AA7-A243-11782AA34EDF}"/>
+                <a16:creationId xmlns:a16="http://schemas.microsoft.com/office/drawing/2014/main" xmlns="" id="{1FAE9B60-DF42-4AA7-A243-11782AA34EDF}"/>
               </a:ext>
             </a:extLst>
           </p:cNvPr>
@@ -5050,7 +5054,7 @@
           <p:cNvPr id="13" name="TextBox 12">
             <a:extLst>
               <a:ext uri="{FF2B5EF4-FFF2-40B4-BE49-F238E27FC236}">
-                <a16:creationId xmlns:a16="http://schemas.microsoft.com/office/drawing/2014/main" id="{26552C80-157E-4EF6-BF75-9F89A7B2E019}"/>
+                <a16:creationId xmlns:a16="http://schemas.microsoft.com/office/drawing/2014/main" xmlns="" id="{26552C80-157E-4EF6-BF75-9F89A7B2E019}"/>
               </a:ext>
             </a:extLst>
           </p:cNvPr>
@@ -5093,7 +5097,7 @@
           <p:cNvPr id="15" name="TextBox 14">
             <a:extLst>
               <a:ext uri="{FF2B5EF4-FFF2-40B4-BE49-F238E27FC236}">
-                <a16:creationId xmlns:a16="http://schemas.microsoft.com/office/drawing/2014/main" id="{0A2BE6CD-A492-423C-B3A9-FE22CACACEAC}"/>
+                <a16:creationId xmlns:a16="http://schemas.microsoft.com/office/drawing/2014/main" xmlns="" id="{0A2BE6CD-A492-423C-B3A9-FE22CACACEAC}"/>
               </a:ext>
             </a:extLst>
           </p:cNvPr>
@@ -5160,7 +5164,7 @@
           <p:cNvPr id="16" name="그림 15" descr="텍스트이(가) 표시된 사진&#10;&#10;자동 생성된 설명">
             <a:extLst>
               <a:ext uri="{FF2B5EF4-FFF2-40B4-BE49-F238E27FC236}">
-                <a16:creationId xmlns:a16="http://schemas.microsoft.com/office/drawing/2014/main" id="{B21E5EAA-19DB-418A-828C-7C3A5FC91BD9}"/>
+                <a16:creationId xmlns:a16="http://schemas.microsoft.com/office/drawing/2014/main" xmlns="" id="{B21E5EAA-19DB-418A-828C-7C3A5FC91BD9}"/>
               </a:ext>
             </a:extLst>
           </p:cNvPr>
@@ -5196,7 +5200,7 @@
           <p:cNvPr id="22" name="TextBox 21">
             <a:extLst>
               <a:ext uri="{FF2B5EF4-FFF2-40B4-BE49-F238E27FC236}">
-                <a16:creationId xmlns:a16="http://schemas.microsoft.com/office/drawing/2014/main" id="{45C26216-2E47-4092-B288-152147B46996}"/>
+                <a16:creationId xmlns:a16="http://schemas.microsoft.com/office/drawing/2014/main" xmlns="" id="{45C26216-2E47-4092-B288-152147B46996}"/>
               </a:ext>
             </a:extLst>
           </p:cNvPr>
@@ -5233,7 +5237,7 @@
           <p:cNvPr id="28" name="그림 27">
             <a:extLst>
               <a:ext uri="{FF2B5EF4-FFF2-40B4-BE49-F238E27FC236}">
-                <a16:creationId xmlns:a16="http://schemas.microsoft.com/office/drawing/2014/main" id="{A99FC2CF-DD6B-493A-8A2B-B045AC3CB965}"/>
+                <a16:creationId xmlns:a16="http://schemas.microsoft.com/office/drawing/2014/main" xmlns="" id="{A99FC2CF-DD6B-493A-8A2B-B045AC3CB965}"/>
               </a:ext>
             </a:extLst>
           </p:cNvPr>
@@ -5263,7 +5267,7 @@
           <p:cNvPr id="30" name="그림 29">
             <a:extLst>
               <a:ext uri="{FF2B5EF4-FFF2-40B4-BE49-F238E27FC236}">
-                <a16:creationId xmlns:a16="http://schemas.microsoft.com/office/drawing/2014/main" id="{970AFFF4-C381-42CB-B6B3-485BCAD0B2BB}"/>
+                <a16:creationId xmlns:a16="http://schemas.microsoft.com/office/drawing/2014/main" xmlns="" id="{970AFFF4-C381-42CB-B6B3-485BCAD0B2BB}"/>
               </a:ext>
             </a:extLst>
           </p:cNvPr>
@@ -5293,7 +5297,7 @@
           <p:cNvPr id="23" name="TextBox 22">
             <a:extLst>
               <a:ext uri="{FF2B5EF4-FFF2-40B4-BE49-F238E27FC236}">
-                <a16:creationId xmlns:a16="http://schemas.microsoft.com/office/drawing/2014/main" id="{3462BEA1-4313-4B29-BE71-B46E9FE866D4}"/>
+                <a16:creationId xmlns:a16="http://schemas.microsoft.com/office/drawing/2014/main" xmlns="" id="{3462BEA1-4313-4B29-BE71-B46E9FE866D4}"/>
               </a:ext>
             </a:extLst>
           </p:cNvPr>
@@ -5334,7 +5338,7 @@
           <p:cNvPr id="39" name="TextBox 38">
             <a:extLst>
               <a:ext uri="{FF2B5EF4-FFF2-40B4-BE49-F238E27FC236}">
-                <a16:creationId xmlns:a16="http://schemas.microsoft.com/office/drawing/2014/main" id="{CDCB2A51-2540-4FF8-8848-761FA26EE25D}"/>
+                <a16:creationId xmlns:a16="http://schemas.microsoft.com/office/drawing/2014/main" xmlns="" id="{CDCB2A51-2540-4FF8-8848-761FA26EE25D}"/>
               </a:ext>
             </a:extLst>
           </p:cNvPr>
@@ -5373,7 +5377,7 @@
           <p:cNvPr id="40" name="TextBox 39">
             <a:extLst>
               <a:ext uri="{FF2B5EF4-FFF2-40B4-BE49-F238E27FC236}">
-                <a16:creationId xmlns:a16="http://schemas.microsoft.com/office/drawing/2014/main" id="{80328AAB-E0C4-4599-B85F-9E12EB8C4D91}"/>
+                <a16:creationId xmlns:a16="http://schemas.microsoft.com/office/drawing/2014/main" xmlns="" id="{80328AAB-E0C4-4599-B85F-9E12EB8C4D91}"/>
               </a:ext>
             </a:extLst>
           </p:cNvPr>
@@ -5430,7 +5434,7 @@
           <p:cNvPr id="41" name="그림 40">
             <a:extLst>
               <a:ext uri="{FF2B5EF4-FFF2-40B4-BE49-F238E27FC236}">
-                <a16:creationId xmlns:a16="http://schemas.microsoft.com/office/drawing/2014/main" id="{D8765DF9-A63F-49B7-8E3C-0EAECDB43CA4}"/>
+                <a16:creationId xmlns:a16="http://schemas.microsoft.com/office/drawing/2014/main" xmlns="" id="{D8765DF9-A63F-49B7-8E3C-0EAECDB43CA4}"/>
               </a:ext>
             </a:extLst>
           </p:cNvPr>
@@ -5460,7 +5464,7 @@
           <p:cNvPr id="43" name="연결선: 꺾임 42">
             <a:extLst>
               <a:ext uri="{FF2B5EF4-FFF2-40B4-BE49-F238E27FC236}">
-                <a16:creationId xmlns:a16="http://schemas.microsoft.com/office/drawing/2014/main" id="{491DA906-38B9-4C7F-97D3-08BC78C710DA}"/>
+                <a16:creationId xmlns:a16="http://schemas.microsoft.com/office/drawing/2014/main" xmlns="" id="{491DA906-38B9-4C7F-97D3-08BC78C710DA}"/>
               </a:ext>
             </a:extLst>
           </p:cNvPr>
@@ -5502,7 +5506,7 @@
           <p:cNvPr id="46" name="연결선: 꺾임 45">
             <a:extLst>
               <a:ext uri="{FF2B5EF4-FFF2-40B4-BE49-F238E27FC236}">
-                <a16:creationId xmlns:a16="http://schemas.microsoft.com/office/drawing/2014/main" id="{D887FFAC-BCF6-4596-80AF-8148D6D1314A}"/>
+                <a16:creationId xmlns:a16="http://schemas.microsoft.com/office/drawing/2014/main" xmlns="" id="{D887FFAC-BCF6-4596-80AF-8148D6D1314A}"/>
               </a:ext>
             </a:extLst>
           </p:cNvPr>
@@ -5542,6 +5546,68 @@
           </a:fontRef>
         </p:style>
       </p:cxnSp>
+      <p:sp>
+        <p:nvSpPr>
+          <p:cNvPr id="3" name="TextBox 2"/>
+          <p:cNvSpPr txBox="1"/>
+          <p:nvPr/>
+        </p:nvSpPr>
+        <p:spPr>
+          <a:xfrm>
+            <a:off x="1778466" y="5478011"/>
+            <a:ext cx="2885813" cy="461665"/>
+          </a:xfrm>
+          <a:prstGeom prst="rect">
+            <a:avLst/>
+          </a:prstGeom>
+          <a:noFill/>
+        </p:spPr>
+        <p:txBody>
+          <a:bodyPr wrap="square" rtlCol="0">
+            <a:spAutoFit/>
+          </a:bodyPr>
+          <a:lstStyle/>
+          <a:p>
+            <a:r>
+              <a:rPr lang="ko-KR" altLang="en-US" sz="1200" dirty="0" smtClean="0"/>
+              <a:t>한쪽이 </a:t>
+            </a:r>
+            <a:r>
+              <a:rPr lang="en-US" altLang="ko-KR" sz="1200" dirty="0" smtClean="0"/>
+              <a:t>30/50</a:t>
+            </a:r>
+            <a:r>
+              <a:rPr lang="ko-KR" altLang="en-US" sz="1200" dirty="0" smtClean="0"/>
+              <a:t>일 경우엔 </a:t>
+            </a:r>
+            <a:r>
+              <a:rPr lang="en-US" altLang="ko-KR" sz="1200" dirty="0" smtClean="0"/>
+              <a:t>50</a:t>
+            </a:r>
+            <a:r>
+              <a:rPr lang="ko-KR" altLang="en-US" sz="1200" dirty="0" smtClean="0"/>
+              <a:t>이 더 </a:t>
+            </a:r>
+            <a:r>
+              <a:rPr lang="ko-KR" altLang="en-US" sz="1200" dirty="0" err="1" smtClean="0"/>
+              <a:t>크기때문에</a:t>
+            </a:r>
+            <a:r>
+              <a:rPr lang="ko-KR" altLang="en-US" sz="1200" dirty="0" smtClean="0"/>
+              <a:t> </a:t>
+            </a:r>
+            <a:r>
+              <a:rPr lang="en-US" altLang="ko-KR" sz="1200" dirty="0" smtClean="0"/>
+              <a:t>50</a:t>
+            </a:r>
+            <a:r>
+              <a:rPr lang="ko-KR" altLang="en-US" sz="1200" dirty="0" smtClean="0"/>
+              <a:t>으로 출력</a:t>
+            </a:r>
+            <a:endParaRPr lang="ko-KR" altLang="en-US" sz="1200" dirty="0"/>
+          </a:p>
+        </p:txBody>
+      </p:sp>
     </p:spTree>
     <p:extLst>
       <p:ext uri="{BB962C8B-B14F-4D97-AF65-F5344CB8AC3E}">
@@ -5577,7 +5643,7 @@
           <p:cNvPr id="2" name="제목 1">
             <a:extLst>
               <a:ext uri="{FF2B5EF4-FFF2-40B4-BE49-F238E27FC236}">
-                <a16:creationId xmlns:a16="http://schemas.microsoft.com/office/drawing/2014/main" id="{81BB9F8E-3DFF-43D7-9C3C-A02B4E34B3F5}"/>
+                <a16:creationId xmlns:a16="http://schemas.microsoft.com/office/drawing/2014/main" xmlns="" id="{81BB9F8E-3DFF-43D7-9C3C-A02B4E34B3F5}"/>
               </a:ext>
             </a:extLst>
           </p:cNvPr>
@@ -5605,7 +5671,7 @@
           <p:cNvPr id="7" name="TextBox 6">
             <a:extLst>
               <a:ext uri="{FF2B5EF4-FFF2-40B4-BE49-F238E27FC236}">
-                <a16:creationId xmlns:a16="http://schemas.microsoft.com/office/drawing/2014/main" id="{9B05422F-AC2F-4C43-9A6B-AB9DC6DD8C8C}"/>
+                <a16:creationId xmlns:a16="http://schemas.microsoft.com/office/drawing/2014/main" xmlns="" id="{9B05422F-AC2F-4C43-9A6B-AB9DC6DD8C8C}"/>
               </a:ext>
             </a:extLst>
           </p:cNvPr>
@@ -5644,7 +5710,7 @@
           <p:cNvPr id="8" name="TextBox 7">
             <a:extLst>
               <a:ext uri="{FF2B5EF4-FFF2-40B4-BE49-F238E27FC236}">
-                <a16:creationId xmlns:a16="http://schemas.microsoft.com/office/drawing/2014/main" id="{000AD90A-4A65-4B9C-930F-73EE749FA456}"/>
+                <a16:creationId xmlns:a16="http://schemas.microsoft.com/office/drawing/2014/main" xmlns="" id="{000AD90A-4A65-4B9C-930F-73EE749FA456}"/>
               </a:ext>
             </a:extLst>
           </p:cNvPr>
@@ -5699,7 +5765,7 @@
           <p:cNvPr id="10" name="그림 9">
             <a:extLst>
               <a:ext uri="{FF2B5EF4-FFF2-40B4-BE49-F238E27FC236}">
-                <a16:creationId xmlns:a16="http://schemas.microsoft.com/office/drawing/2014/main" id="{0B98E262-3C47-485A-A2F7-2ADE2D05DAC9}"/>
+                <a16:creationId xmlns:a16="http://schemas.microsoft.com/office/drawing/2014/main" xmlns="" id="{0B98E262-3C47-485A-A2F7-2ADE2D05DAC9}"/>
               </a:ext>
             </a:extLst>
           </p:cNvPr>
@@ -5729,7 +5795,7 @@
           <p:cNvPr id="11" name="TextBox 10">
             <a:extLst>
               <a:ext uri="{FF2B5EF4-FFF2-40B4-BE49-F238E27FC236}">
-                <a16:creationId xmlns:a16="http://schemas.microsoft.com/office/drawing/2014/main" id="{4CB73F99-5C20-49AE-827E-0AFF9A3BDDF0}"/>
+                <a16:creationId xmlns:a16="http://schemas.microsoft.com/office/drawing/2014/main" xmlns="" id="{4CB73F99-5C20-49AE-827E-0AFF9A3BDDF0}"/>
               </a:ext>
             </a:extLst>
           </p:cNvPr>
@@ -5772,7 +5838,7 @@
           <p:cNvPr id="13" name="그림 12">
             <a:extLst>
               <a:ext uri="{FF2B5EF4-FFF2-40B4-BE49-F238E27FC236}">
-                <a16:creationId xmlns:a16="http://schemas.microsoft.com/office/drawing/2014/main" id="{478645E0-FA40-4445-984F-DFB927E4814B}"/>
+                <a16:creationId xmlns:a16="http://schemas.microsoft.com/office/drawing/2014/main" xmlns="" id="{478645E0-FA40-4445-984F-DFB927E4814B}"/>
               </a:ext>
             </a:extLst>
           </p:cNvPr>
@@ -5802,7 +5868,7 @@
           <p:cNvPr id="15" name="그림 14">
             <a:extLst>
               <a:ext uri="{FF2B5EF4-FFF2-40B4-BE49-F238E27FC236}">
-                <a16:creationId xmlns:a16="http://schemas.microsoft.com/office/drawing/2014/main" id="{E979E756-F3D6-4609-AF8C-EA9D7FCD60D1}"/>
+                <a16:creationId xmlns:a16="http://schemas.microsoft.com/office/drawing/2014/main" xmlns="" id="{E979E756-F3D6-4609-AF8C-EA9D7FCD60D1}"/>
               </a:ext>
             </a:extLst>
           </p:cNvPr>
@@ -5832,7 +5898,7 @@
           <p:cNvPr id="19" name="말풍선: 모서리가 둥근 사각형 18">
             <a:extLst>
               <a:ext uri="{FF2B5EF4-FFF2-40B4-BE49-F238E27FC236}">
-                <a16:creationId xmlns:a16="http://schemas.microsoft.com/office/drawing/2014/main" id="{3F5D57E0-E6C2-423F-AFE6-314797304849}"/>
+                <a16:creationId xmlns:a16="http://schemas.microsoft.com/office/drawing/2014/main" xmlns="" id="{3F5D57E0-E6C2-423F-AFE6-314797304849}"/>
               </a:ext>
             </a:extLst>
           </p:cNvPr>
@@ -5889,7 +5955,7 @@
           <p:cNvPr id="17" name="TextBox 16">
             <a:extLst>
               <a:ext uri="{FF2B5EF4-FFF2-40B4-BE49-F238E27FC236}">
-                <a16:creationId xmlns:a16="http://schemas.microsoft.com/office/drawing/2014/main" id="{D2AC8427-38C0-4C8A-9735-922CD79477DE}"/>
+                <a16:creationId xmlns:a16="http://schemas.microsoft.com/office/drawing/2014/main" xmlns="" id="{D2AC8427-38C0-4C8A-9735-922CD79477DE}"/>
               </a:ext>
             </a:extLst>
           </p:cNvPr>
@@ -5962,7 +6028,7 @@
           <p:cNvPr id="2" name="제목 1">
             <a:extLst>
               <a:ext uri="{FF2B5EF4-FFF2-40B4-BE49-F238E27FC236}">
-                <a16:creationId xmlns:a16="http://schemas.microsoft.com/office/drawing/2014/main" id="{81BB9F8E-3DFF-43D7-9C3C-A02B4E34B3F5}"/>
+                <a16:creationId xmlns:a16="http://schemas.microsoft.com/office/drawing/2014/main" xmlns="" id="{81BB9F8E-3DFF-43D7-9C3C-A02B4E34B3F5}"/>
               </a:ext>
             </a:extLst>
           </p:cNvPr>
@@ -5990,7 +6056,7 @@
           <p:cNvPr id="20" name="TextBox 19">
             <a:extLst>
               <a:ext uri="{FF2B5EF4-FFF2-40B4-BE49-F238E27FC236}">
-                <a16:creationId xmlns:a16="http://schemas.microsoft.com/office/drawing/2014/main" id="{268E46C3-459D-432D-AA19-2A28B2468BB8}"/>
+                <a16:creationId xmlns:a16="http://schemas.microsoft.com/office/drawing/2014/main" xmlns="" id="{268E46C3-459D-432D-AA19-2A28B2468BB8}"/>
               </a:ext>
             </a:extLst>
           </p:cNvPr>
@@ -6029,7 +6095,7 @@
           <p:cNvPr id="21" name="TextBox 20">
             <a:extLst>
               <a:ext uri="{FF2B5EF4-FFF2-40B4-BE49-F238E27FC236}">
-                <a16:creationId xmlns:a16="http://schemas.microsoft.com/office/drawing/2014/main" id="{5B0A41A4-59A9-41C3-AADF-8A664E3BE6C5}"/>
+                <a16:creationId xmlns:a16="http://schemas.microsoft.com/office/drawing/2014/main" xmlns="" id="{5B0A41A4-59A9-41C3-AADF-8A664E3BE6C5}"/>
               </a:ext>
             </a:extLst>
           </p:cNvPr>
@@ -6069,6 +6135,10 @@
               <a:rPr lang="ko-KR" altLang="en-US" sz="1200"/>
               <a:t>왼쪽이나 </a:t>
             </a:r>
+            <a:r>
+              <a:rPr lang="en-US" altLang="ko-KR" sz="1200"/>
+              <a:t/>
+            </a:r>
             <a:br>
               <a:rPr lang="en-US" altLang="ko-KR" sz="1200"/>
             </a:br>
@@ -6085,7 +6155,7 @@
           <p:cNvPr id="22" name="그림 21">
             <a:extLst>
               <a:ext uri="{FF2B5EF4-FFF2-40B4-BE49-F238E27FC236}">
-                <a16:creationId xmlns:a16="http://schemas.microsoft.com/office/drawing/2014/main" id="{BC0B9DF9-8B4A-4E03-971A-974D9D0635FE}"/>
+                <a16:creationId xmlns:a16="http://schemas.microsoft.com/office/drawing/2014/main" xmlns="" id="{BC0B9DF9-8B4A-4E03-971A-974D9D0635FE}"/>
               </a:ext>
             </a:extLst>
           </p:cNvPr>
@@ -6115,7 +6185,7 @@
           <p:cNvPr id="24" name="직선 연결선 23">
             <a:extLst>
               <a:ext uri="{FF2B5EF4-FFF2-40B4-BE49-F238E27FC236}">
-                <a16:creationId xmlns:a16="http://schemas.microsoft.com/office/drawing/2014/main" id="{61CCF61E-76B2-430A-91F7-7C29445CAD5B}"/>
+                <a16:creationId xmlns:a16="http://schemas.microsoft.com/office/drawing/2014/main" xmlns="" id="{61CCF61E-76B2-430A-91F7-7C29445CAD5B}"/>
               </a:ext>
             </a:extLst>
           </p:cNvPr>
@@ -6154,7 +6224,7 @@
           <p:cNvPr id="26" name="그림 25">
             <a:extLst>
               <a:ext uri="{FF2B5EF4-FFF2-40B4-BE49-F238E27FC236}">
-                <a16:creationId xmlns:a16="http://schemas.microsoft.com/office/drawing/2014/main" id="{DD5C7F67-5D2D-4647-9778-3940CF84EE94}"/>
+                <a16:creationId xmlns:a16="http://schemas.microsoft.com/office/drawing/2014/main" xmlns="" id="{DD5C7F67-5D2D-4647-9778-3940CF84EE94}"/>
               </a:ext>
             </a:extLst>
           </p:cNvPr>
@@ -6184,7 +6254,7 @@
           <p:cNvPr id="28" name="그림 27">
             <a:extLst>
               <a:ext uri="{FF2B5EF4-FFF2-40B4-BE49-F238E27FC236}">
-                <a16:creationId xmlns:a16="http://schemas.microsoft.com/office/drawing/2014/main" id="{27F167D2-5355-4CC2-9B27-B65CDF8926E0}"/>
+                <a16:creationId xmlns:a16="http://schemas.microsoft.com/office/drawing/2014/main" xmlns="" id="{27F167D2-5355-4CC2-9B27-B65CDF8926E0}"/>
               </a:ext>
             </a:extLst>
           </p:cNvPr>
@@ -6214,7 +6284,7 @@
           <p:cNvPr id="18" name="TextBox 17">
             <a:extLst>
               <a:ext uri="{FF2B5EF4-FFF2-40B4-BE49-F238E27FC236}">
-                <a16:creationId xmlns:a16="http://schemas.microsoft.com/office/drawing/2014/main" id="{403FFACF-6138-4201-8E08-770D81F7C0CA}"/>
+                <a16:creationId xmlns:a16="http://schemas.microsoft.com/office/drawing/2014/main" xmlns="" id="{403FFACF-6138-4201-8E08-770D81F7C0CA}"/>
               </a:ext>
             </a:extLst>
           </p:cNvPr>
@@ -6253,7 +6323,7 @@
           <p:cNvPr id="23" name="TextBox 22">
             <a:extLst>
               <a:ext uri="{FF2B5EF4-FFF2-40B4-BE49-F238E27FC236}">
-                <a16:creationId xmlns:a16="http://schemas.microsoft.com/office/drawing/2014/main" id="{BFB10A0D-B073-422C-AC4F-5358AF4DD75F}"/>
+                <a16:creationId xmlns:a16="http://schemas.microsoft.com/office/drawing/2014/main" xmlns="" id="{BFB10A0D-B073-422C-AC4F-5358AF4DD75F}"/>
               </a:ext>
             </a:extLst>
           </p:cNvPr>
@@ -6293,7 +6363,7 @@
           <p:cNvPr id="4" name="그림 3">
             <a:extLst>
               <a:ext uri="{FF2B5EF4-FFF2-40B4-BE49-F238E27FC236}">
-                <a16:creationId xmlns:a16="http://schemas.microsoft.com/office/drawing/2014/main" id="{F77FA813-8438-487E-960F-C42A37278A44}"/>
+                <a16:creationId xmlns:a16="http://schemas.microsoft.com/office/drawing/2014/main" xmlns="" id="{F77FA813-8438-487E-960F-C42A37278A44}"/>
               </a:ext>
             </a:extLst>
           </p:cNvPr>
@@ -6322,7 +6392,7 @@
           <p:cNvPr id="25" name="그림 24">
             <a:extLst>
               <a:ext uri="{FF2B5EF4-FFF2-40B4-BE49-F238E27FC236}">
-                <a16:creationId xmlns:a16="http://schemas.microsoft.com/office/drawing/2014/main" id="{007827D4-A982-4EA6-98F6-2FCBAADD26CF}"/>
+                <a16:creationId xmlns:a16="http://schemas.microsoft.com/office/drawing/2014/main" xmlns="" id="{007827D4-A982-4EA6-98F6-2FCBAADD26CF}"/>
               </a:ext>
             </a:extLst>
           </p:cNvPr>
@@ -6382,7 +6452,7 @@
           <p:cNvPr id="2" name="제목 1">
             <a:extLst>
               <a:ext uri="{FF2B5EF4-FFF2-40B4-BE49-F238E27FC236}">
-                <a16:creationId xmlns:a16="http://schemas.microsoft.com/office/drawing/2014/main" id="{81BB9F8E-3DFF-43D7-9C3C-A02B4E34B3F5}"/>
+                <a16:creationId xmlns:a16="http://schemas.microsoft.com/office/drawing/2014/main" xmlns="" id="{81BB9F8E-3DFF-43D7-9C3C-A02B4E34B3F5}"/>
               </a:ext>
             </a:extLst>
           </p:cNvPr>
@@ -6410,7 +6480,7 @@
           <p:cNvPr id="6" name="TextBox 5">
             <a:extLst>
               <a:ext uri="{FF2B5EF4-FFF2-40B4-BE49-F238E27FC236}">
-                <a16:creationId xmlns:a16="http://schemas.microsoft.com/office/drawing/2014/main" id="{018858CB-B369-4256-9874-086C653A2505}"/>
+                <a16:creationId xmlns:a16="http://schemas.microsoft.com/office/drawing/2014/main" xmlns="" id="{018858CB-B369-4256-9874-086C653A2505}"/>
               </a:ext>
             </a:extLst>
           </p:cNvPr>
@@ -6449,7 +6519,7 @@
           <p:cNvPr id="9" name="TextBox 8">
             <a:extLst>
               <a:ext uri="{FF2B5EF4-FFF2-40B4-BE49-F238E27FC236}">
-                <a16:creationId xmlns:a16="http://schemas.microsoft.com/office/drawing/2014/main" id="{41358AFD-8DD2-4EC6-8B50-54923928CA2A}"/>
+                <a16:creationId xmlns:a16="http://schemas.microsoft.com/office/drawing/2014/main" xmlns="" id="{41358AFD-8DD2-4EC6-8B50-54923928CA2A}"/>
               </a:ext>
             </a:extLst>
           </p:cNvPr>
@@ -6485,7 +6555,7 @@
           <p:cNvPr id="4" name="그림 3">
             <a:extLst>
               <a:ext uri="{FF2B5EF4-FFF2-40B4-BE49-F238E27FC236}">
-                <a16:creationId xmlns:a16="http://schemas.microsoft.com/office/drawing/2014/main" id="{44E4FF98-CA27-4AE0-8043-26A9A9E3FBD8}"/>
+                <a16:creationId xmlns:a16="http://schemas.microsoft.com/office/drawing/2014/main" xmlns="" id="{44E4FF98-CA27-4AE0-8043-26A9A9E3FBD8}"/>
               </a:ext>
             </a:extLst>
           </p:cNvPr>
@@ -6514,7 +6584,7 @@
           <p:cNvPr id="11" name="그림 10">
             <a:extLst>
               <a:ext uri="{FF2B5EF4-FFF2-40B4-BE49-F238E27FC236}">
-                <a16:creationId xmlns:a16="http://schemas.microsoft.com/office/drawing/2014/main" id="{C5AF94FB-9A14-417C-94B8-DC38C0B6BEEE}"/>
+                <a16:creationId xmlns:a16="http://schemas.microsoft.com/office/drawing/2014/main" xmlns="" id="{C5AF94FB-9A14-417C-94B8-DC38C0B6BEEE}"/>
               </a:ext>
             </a:extLst>
           </p:cNvPr>
@@ -6544,7 +6614,7 @@
           <p:cNvPr id="13" name="그림 12">
             <a:extLst>
               <a:ext uri="{FF2B5EF4-FFF2-40B4-BE49-F238E27FC236}">
-                <a16:creationId xmlns:a16="http://schemas.microsoft.com/office/drawing/2014/main" id="{74C1543A-57B3-46AD-A1D4-F654C41AD905}"/>
+                <a16:creationId xmlns:a16="http://schemas.microsoft.com/office/drawing/2014/main" xmlns="" id="{74C1543A-57B3-46AD-A1D4-F654C41AD905}"/>
               </a:ext>
             </a:extLst>
           </p:cNvPr>
@@ -6574,7 +6644,7 @@
           <p:cNvPr id="14" name="화살표: 굽음 13">
             <a:extLst>
               <a:ext uri="{FF2B5EF4-FFF2-40B4-BE49-F238E27FC236}">
-                <a16:creationId xmlns:a16="http://schemas.microsoft.com/office/drawing/2014/main" id="{08012977-7E1D-4BD0-80DE-08D5C3360A9C}"/>
+                <a16:creationId xmlns:a16="http://schemas.microsoft.com/office/drawing/2014/main" xmlns="" id="{08012977-7E1D-4BD0-80DE-08D5C3360A9C}"/>
               </a:ext>
             </a:extLst>
           </p:cNvPr>
@@ -6668,7 +6738,7 @@
           <p:cNvPr id="2" name="제목 1">
             <a:extLst>
               <a:ext uri="{FF2B5EF4-FFF2-40B4-BE49-F238E27FC236}">
-                <a16:creationId xmlns:a16="http://schemas.microsoft.com/office/drawing/2014/main" id="{81BB9F8E-3DFF-43D7-9C3C-A02B4E34B3F5}"/>
+                <a16:creationId xmlns:a16="http://schemas.microsoft.com/office/drawing/2014/main" xmlns="" id="{81BB9F8E-3DFF-43D7-9C3C-A02B4E34B3F5}"/>
               </a:ext>
             </a:extLst>
           </p:cNvPr>
@@ -6696,7 +6766,7 @@
           <p:cNvPr id="10" name="TextBox 9">
             <a:extLst>
               <a:ext uri="{FF2B5EF4-FFF2-40B4-BE49-F238E27FC236}">
-                <a16:creationId xmlns:a16="http://schemas.microsoft.com/office/drawing/2014/main" id="{C85B39B5-4192-4F5A-913F-D2A0E12A61BE}"/>
+                <a16:creationId xmlns:a16="http://schemas.microsoft.com/office/drawing/2014/main" xmlns="" id="{C85B39B5-4192-4F5A-913F-D2A0E12A61BE}"/>
               </a:ext>
             </a:extLst>
           </p:cNvPr>
@@ -6735,7 +6805,7 @@
           <p:cNvPr id="12" name="TextBox 11">
             <a:extLst>
               <a:ext uri="{FF2B5EF4-FFF2-40B4-BE49-F238E27FC236}">
-                <a16:creationId xmlns:a16="http://schemas.microsoft.com/office/drawing/2014/main" id="{57B77B9F-22ED-410B-9911-AB7EAA05B23D}"/>
+                <a16:creationId xmlns:a16="http://schemas.microsoft.com/office/drawing/2014/main" xmlns="" id="{57B77B9F-22ED-410B-9911-AB7EAA05B23D}"/>
               </a:ext>
             </a:extLst>
           </p:cNvPr>
@@ -6779,7 +6849,7 @@
           <p:cNvPr id="15" name="그림 14">
             <a:extLst>
               <a:ext uri="{FF2B5EF4-FFF2-40B4-BE49-F238E27FC236}">
-                <a16:creationId xmlns:a16="http://schemas.microsoft.com/office/drawing/2014/main" id="{35D113AB-20C7-4C1E-A67E-232424603DC3}"/>
+                <a16:creationId xmlns:a16="http://schemas.microsoft.com/office/drawing/2014/main" xmlns="" id="{35D113AB-20C7-4C1E-A67E-232424603DC3}"/>
               </a:ext>
             </a:extLst>
           </p:cNvPr>
@@ -6809,7 +6879,7 @@
           <p:cNvPr id="16" name="그림 15">
             <a:extLst>
               <a:ext uri="{FF2B5EF4-FFF2-40B4-BE49-F238E27FC236}">
-                <a16:creationId xmlns:a16="http://schemas.microsoft.com/office/drawing/2014/main" id="{F815C226-F53C-4C1A-A0DB-352FE158DAEB}"/>
+                <a16:creationId xmlns:a16="http://schemas.microsoft.com/office/drawing/2014/main" xmlns="" id="{F815C226-F53C-4C1A-A0DB-352FE158DAEB}"/>
               </a:ext>
             </a:extLst>
           </p:cNvPr>
@@ -6839,7 +6909,7 @@
           <p:cNvPr id="5" name="그림 4">
             <a:extLst>
               <a:ext uri="{FF2B5EF4-FFF2-40B4-BE49-F238E27FC236}">
-                <a16:creationId xmlns:a16="http://schemas.microsoft.com/office/drawing/2014/main" id="{0CF8E522-7136-48F7-8757-52E7266FACA2}"/>
+                <a16:creationId xmlns:a16="http://schemas.microsoft.com/office/drawing/2014/main" xmlns="" id="{0CF8E522-7136-48F7-8757-52E7266FACA2}"/>
               </a:ext>
             </a:extLst>
           </p:cNvPr>
@@ -6869,7 +6939,7 @@
           <p:cNvPr id="8" name="그림 7">
             <a:extLst>
               <a:ext uri="{FF2B5EF4-FFF2-40B4-BE49-F238E27FC236}">
-                <a16:creationId xmlns:a16="http://schemas.microsoft.com/office/drawing/2014/main" id="{DA05AC53-D698-4686-BA02-5BE9C72AF9ED}"/>
+                <a16:creationId xmlns:a16="http://schemas.microsoft.com/office/drawing/2014/main" xmlns="" id="{DA05AC53-D698-4686-BA02-5BE9C72AF9ED}"/>
               </a:ext>
             </a:extLst>
           </p:cNvPr>
@@ -6899,7 +6969,7 @@
           <p:cNvPr id="14" name="화살표: 굽음 13">
             <a:extLst>
               <a:ext uri="{FF2B5EF4-FFF2-40B4-BE49-F238E27FC236}">
-                <a16:creationId xmlns:a16="http://schemas.microsoft.com/office/drawing/2014/main" id="{08012977-7E1D-4BD0-80DE-08D5C3360A9C}"/>
+                <a16:creationId xmlns:a16="http://schemas.microsoft.com/office/drawing/2014/main" xmlns="" id="{08012977-7E1D-4BD0-80DE-08D5C3360A9C}"/>
               </a:ext>
             </a:extLst>
           </p:cNvPr>
@@ -6993,7 +7063,7 @@
           <p:cNvPr id="4" name="제목 3">
             <a:extLst>
               <a:ext uri="{FF2B5EF4-FFF2-40B4-BE49-F238E27FC236}">
-                <a16:creationId xmlns:a16="http://schemas.microsoft.com/office/drawing/2014/main" id="{EB6D438C-A184-447B-ACCE-00753F422508}"/>
+                <a16:creationId xmlns:a16="http://schemas.microsoft.com/office/drawing/2014/main" xmlns="" id="{EB6D438C-A184-447B-ACCE-00753F422508}"/>
               </a:ext>
             </a:extLst>
           </p:cNvPr>
@@ -7025,7 +7095,7 @@
           <p:cNvPr id="3" name="TextBox 2">
             <a:extLst>
               <a:ext uri="{FF2B5EF4-FFF2-40B4-BE49-F238E27FC236}">
-                <a16:creationId xmlns:a16="http://schemas.microsoft.com/office/drawing/2014/main" id="{DE6E0698-9C59-46BD-9A47-18CA535C97DF}"/>
+                <a16:creationId xmlns:a16="http://schemas.microsoft.com/office/drawing/2014/main" xmlns="" id="{DE6E0698-9C59-46BD-9A47-18CA535C97DF}"/>
               </a:ext>
             </a:extLst>
           </p:cNvPr>
@@ -7060,7 +7130,7 @@
           <p:cNvPr id="5" name="TextBox 4">
             <a:extLst>
               <a:ext uri="{FF2B5EF4-FFF2-40B4-BE49-F238E27FC236}">
-                <a16:creationId xmlns:a16="http://schemas.microsoft.com/office/drawing/2014/main" id="{170417D0-E284-4E8E-9B43-63A19FCD6981}"/>
+                <a16:creationId xmlns:a16="http://schemas.microsoft.com/office/drawing/2014/main" xmlns="" id="{170417D0-E284-4E8E-9B43-63A19FCD6981}"/>
               </a:ext>
             </a:extLst>
           </p:cNvPr>
@@ -7136,7 +7206,7 @@
           <p:cNvPr id="6" name="TextBox 5">
             <a:extLst>
               <a:ext uri="{FF2B5EF4-FFF2-40B4-BE49-F238E27FC236}">
-                <a16:creationId xmlns:a16="http://schemas.microsoft.com/office/drawing/2014/main" id="{6ED6D925-C550-4961-93F8-F1BF4967987C}"/>
+                <a16:creationId xmlns:a16="http://schemas.microsoft.com/office/drawing/2014/main" xmlns="" id="{6ED6D925-C550-4961-93F8-F1BF4967987C}"/>
               </a:ext>
             </a:extLst>
           </p:cNvPr>
@@ -7171,7 +7241,7 @@
           <p:cNvPr id="7" name="TextBox 6">
             <a:extLst>
               <a:ext uri="{FF2B5EF4-FFF2-40B4-BE49-F238E27FC236}">
-                <a16:creationId xmlns:a16="http://schemas.microsoft.com/office/drawing/2014/main" id="{F89BFCDB-D4BC-4411-9142-A6A220E0CAFA}"/>
+                <a16:creationId xmlns:a16="http://schemas.microsoft.com/office/drawing/2014/main" xmlns="" id="{F89BFCDB-D4BC-4411-9142-A6A220E0CAFA}"/>
               </a:ext>
             </a:extLst>
           </p:cNvPr>
@@ -7181,7 +7251,7 @@
         <p:spPr>
           <a:xfrm>
             <a:off x="6241408" y="1728132"/>
-            <a:ext cx="4764948" cy="1164614"/>
+            <a:ext cx="4764948" cy="1454244"/>
           </a:xfrm>
           <a:prstGeom prst="rect">
             <a:avLst/>
@@ -7202,10 +7272,10 @@
               <a:buChar char="•"/>
             </a:pPr>
             <a:r>
-              <a:rPr lang="ko-KR" altLang="en-US" sz="1200"/>
+              <a:rPr lang="ko-KR" altLang="en-US" sz="1200" dirty="0"/>
               <a:t>줄을 차지하지 않는 요소</a:t>
             </a:r>
-            <a:endParaRPr lang="en-US" altLang="ko-KR" sz="1200"/>
+            <a:endParaRPr lang="en-US" altLang="ko-KR" sz="1200" dirty="0"/>
           </a:p>
           <a:p>
             <a:pPr marL="285750" indent="-285750">
@@ -7216,25 +7286,59 @@
               <a:buChar char="•"/>
             </a:pPr>
             <a:r>
-              <a:rPr lang="ko-KR" altLang="en-US" sz="1200"/>
-              <a:t>화면에 표시되는 콘텐츠만큼만 영역을 차지하고 나머지 공간에는 다른 요소가 올 수 있음</a:t>
+              <a:rPr lang="ko-KR" altLang="en-US" sz="1200" dirty="0"/>
+              <a:t>화면에 표시되는 </a:t>
+            </a:r>
+            <a:r>
+              <a:rPr lang="ko-KR" altLang="en-US" sz="1200" dirty="0" err="1"/>
+              <a:t>콘텐츠만큼만</a:t>
+            </a:r>
+            <a:r>
+              <a:rPr lang="ko-KR" altLang="en-US" sz="1200" dirty="0"/>
+              <a:t> 영역을 차지하고 나머지 공간에는 다른 요소가 올 수 있음</a:t>
+            </a:r>
+            <a:r>
+              <a:rPr lang="en-US" altLang="ko-KR" sz="1200" dirty="0"/>
+              <a:t/>
             </a:r>
             <a:br>
-              <a:rPr lang="en-US" altLang="ko-KR" sz="1200"/>
+              <a:rPr lang="en-US" altLang="ko-KR" sz="1200" dirty="0"/>
             </a:br>
             <a:r>
-              <a:rPr lang="ko-KR" altLang="en-US" sz="1100"/>
+              <a:rPr lang="ko-KR" altLang="en-US" sz="1100" dirty="0"/>
               <a:t>예</a:t>
             </a:r>
             <a:r>
-              <a:rPr lang="en-US" altLang="ko-KR" sz="1100"/>
-              <a:t>) &lt;img&gt;, &lt;strong&gt; </a:t>
-            </a:r>
-            <a:r>
-              <a:rPr lang="ko-KR" altLang="en-US" sz="1100"/>
+              <a:rPr lang="en-US" altLang="ko-KR" sz="1100" dirty="0"/>
+              <a:t>) &lt;</a:t>
+            </a:r>
+            <a:r>
+              <a:rPr lang="en-US" altLang="ko-KR" sz="1100" dirty="0" err="1"/>
+              <a:t>img</a:t>
+            </a:r>
+            <a:r>
+              <a:rPr lang="en-US" altLang="ko-KR" sz="1100" dirty="0"/>
+              <a:t>&gt;, &lt;strong&gt; </a:t>
+            </a:r>
+            <a:r>
+              <a:rPr lang="ko-KR" altLang="en-US" sz="1100" dirty="0" smtClean="0"/>
               <a:t>등</a:t>
             </a:r>
-            <a:endParaRPr lang="ko-KR" altLang="en-US" sz="1200"/>
+            <a:endParaRPr lang="en-US" altLang="ko-KR" sz="1100" dirty="0" smtClean="0"/>
+          </a:p>
+          <a:p>
+            <a:pPr marL="285750" indent="-285750">
+              <a:lnSpc>
+                <a:spcPct val="150000"/>
+              </a:lnSpc>
+              <a:buFont typeface="Arial" panose="020B0604020202020204" pitchFamily="34" charset="0"/>
+              <a:buChar char="•"/>
+            </a:pPr>
+            <a:r>
+              <a:rPr lang="ko-KR" altLang="en-US" sz="1100" dirty="0" smtClean="0"/>
+              <a:t>글자처럼 취급</a:t>
+            </a:r>
+            <a:endParaRPr lang="ko-KR" altLang="en-US" sz="1200" dirty="0"/>
           </a:p>
         </p:txBody>
       </p:sp>
@@ -7243,7 +7347,7 @@
           <p:cNvPr id="8" name="그림 7">
             <a:extLst>
               <a:ext uri="{FF2B5EF4-FFF2-40B4-BE49-F238E27FC236}">
-                <a16:creationId xmlns:a16="http://schemas.microsoft.com/office/drawing/2014/main" id="{57F1604F-5681-456E-A10E-3DE9FE2F56A8}"/>
+                <a16:creationId xmlns:a16="http://schemas.microsoft.com/office/drawing/2014/main" xmlns="" id="{57F1604F-5681-456E-A10E-3DE9FE2F56A8}"/>
               </a:ext>
             </a:extLst>
           </p:cNvPr>
@@ -7273,7 +7377,7 @@
           <p:cNvPr id="10" name="그림 9">
             <a:extLst>
               <a:ext uri="{FF2B5EF4-FFF2-40B4-BE49-F238E27FC236}">
-                <a16:creationId xmlns:a16="http://schemas.microsoft.com/office/drawing/2014/main" id="{599690FD-EE96-4101-BEF4-708C16CD1C87}"/>
+                <a16:creationId xmlns:a16="http://schemas.microsoft.com/office/drawing/2014/main" xmlns="" id="{599690FD-EE96-4101-BEF4-708C16CD1C87}"/>
               </a:ext>
             </a:extLst>
           </p:cNvPr>
@@ -7333,7 +7437,7 @@
           <p:cNvPr id="4" name="제목 3">
             <a:extLst>
               <a:ext uri="{FF2B5EF4-FFF2-40B4-BE49-F238E27FC236}">
-                <a16:creationId xmlns:a16="http://schemas.microsoft.com/office/drawing/2014/main" id="{EB6D438C-A184-447B-ACCE-00753F422508}"/>
+                <a16:creationId xmlns:a16="http://schemas.microsoft.com/office/drawing/2014/main" xmlns="" id="{EB6D438C-A184-447B-ACCE-00753F422508}"/>
               </a:ext>
             </a:extLst>
           </p:cNvPr>
@@ -7365,7 +7469,7 @@
           <p:cNvPr id="9" name="TextBox 8">
             <a:extLst>
               <a:ext uri="{FF2B5EF4-FFF2-40B4-BE49-F238E27FC236}">
-                <a16:creationId xmlns:a16="http://schemas.microsoft.com/office/drawing/2014/main" id="{B7C412E3-A492-40EC-B783-268B662C7DF5}"/>
+                <a16:creationId xmlns:a16="http://schemas.microsoft.com/office/drawing/2014/main" xmlns="" id="{B7C412E3-A492-40EC-B783-268B662C7DF5}"/>
               </a:ext>
             </a:extLst>
           </p:cNvPr>
@@ -7408,7 +7512,7 @@
           <p:cNvPr id="11" name="TextBox 10">
             <a:extLst>
               <a:ext uri="{FF2B5EF4-FFF2-40B4-BE49-F238E27FC236}">
-                <a16:creationId xmlns:a16="http://schemas.microsoft.com/office/drawing/2014/main" id="{0598086C-E254-40F6-8D1B-09EDD9135361}"/>
+                <a16:creationId xmlns:a16="http://schemas.microsoft.com/office/drawing/2014/main" xmlns="" id="{0598086C-E254-40F6-8D1B-09EDD9135361}"/>
               </a:ext>
             </a:extLst>
           </p:cNvPr>
@@ -7418,7 +7522,7 @@
         <p:spPr>
           <a:xfrm>
             <a:off x="771787" y="1673112"/>
-            <a:ext cx="7180976" cy="333617"/>
+            <a:ext cx="7180976" cy="646331"/>
           </a:xfrm>
           <a:prstGeom prst="rect">
             <a:avLst/>
@@ -7437,45 +7541,69 @@
               </a:lnSpc>
             </a:pPr>
             <a:r>
-              <a:rPr lang="ko-KR" altLang="en-US" sz="1200"/>
-              <a:t>실제 콘텐츠 영역</a:t>
-            </a:r>
-            <a:r>
-              <a:rPr lang="en-US" altLang="ko-KR" sz="1200"/>
+              <a:rPr lang="ko-KR" altLang="en-US" sz="1200" dirty="0"/>
+              <a:t>실제 </a:t>
+            </a:r>
+            <a:r>
+              <a:rPr lang="ko-KR" altLang="en-US" sz="1200" dirty="0" err="1"/>
+              <a:t>콘텐츠</a:t>
+            </a:r>
+            <a:r>
+              <a:rPr lang="ko-KR" altLang="en-US" sz="1200" dirty="0"/>
+              <a:t> 영역</a:t>
+            </a:r>
+            <a:r>
+              <a:rPr lang="en-US" altLang="ko-KR" sz="1200" dirty="0"/>
               <a:t>, </a:t>
             </a:r>
             <a:r>
-              <a:rPr lang="ko-KR" altLang="en-US" sz="1200"/>
+              <a:rPr lang="ko-KR" altLang="en-US" sz="1200" dirty="0" err="1"/>
               <a:t>패딩</a:t>
             </a:r>
             <a:r>
-              <a:rPr lang="en-US" altLang="ko-KR" sz="1200"/>
+              <a:rPr lang="en-US" altLang="ko-KR" sz="1200" dirty="0"/>
               <a:t>(padding), </a:t>
             </a:r>
             <a:r>
-              <a:rPr lang="ko-KR" altLang="en-US" sz="1200"/>
+              <a:rPr lang="ko-KR" altLang="en-US" sz="1200" dirty="0"/>
               <a:t>박스의 테두리</a:t>
             </a:r>
             <a:r>
-              <a:rPr lang="en-US" altLang="ko-KR" sz="1200"/>
+              <a:rPr lang="en-US" altLang="ko-KR" sz="1200" dirty="0"/>
               <a:t>(border), </a:t>
             </a:r>
             <a:r>
-              <a:rPr lang="ko-KR" altLang="en-US" sz="1200"/>
+              <a:rPr lang="ko-KR" altLang="en-US" sz="1200" dirty="0"/>
               <a:t>그리고 마진</a:t>
             </a:r>
             <a:r>
-              <a:rPr lang="en-US" altLang="ko-KR" sz="1200"/>
+              <a:rPr lang="en-US" altLang="ko-KR" sz="1200" dirty="0"/>
               <a:t>(margin) </a:t>
             </a:r>
             <a:r>
-              <a:rPr lang="ko-KR" altLang="en-US" sz="1200"/>
+              <a:rPr lang="ko-KR" altLang="en-US" sz="1200" dirty="0"/>
               <a:t>등의 요소로 구성됨</a:t>
             </a:r>
             <a:r>
-              <a:rPr lang="en-US" altLang="ko-KR" sz="1200"/>
+              <a:rPr lang="en-US" altLang="ko-KR" sz="1200" dirty="0" smtClean="0"/>
               <a:t>.</a:t>
             </a:r>
+          </a:p>
+          <a:p>
+            <a:pPr>
+              <a:lnSpc>
+                <a:spcPct val="150000"/>
+              </a:lnSpc>
+            </a:pPr>
+            <a:r>
+              <a:rPr lang="ko-KR" altLang="en-US" sz="1200" dirty="0" err="1" smtClean="0"/>
+              <a:t>태두리를</a:t>
+            </a:r>
+            <a:r>
+              <a:rPr lang="ko-KR" altLang="en-US" sz="1200" dirty="0" smtClean="0"/>
+              <a:t> 기준으로 안쪽 바깥쪽이 나뉘어짐</a:t>
+            </a:r>
+            <a:endParaRPr lang="en-US" altLang="ko-KR" sz="1200" dirty="0"/>
           </a:p>
         </p:txBody>
       </p:sp>
@@ -7484,7 +7612,7 @@
           <p:cNvPr id="12" name="그림 11">
             <a:extLst>
               <a:ext uri="{FF2B5EF4-FFF2-40B4-BE49-F238E27FC236}">
-                <a16:creationId xmlns:a16="http://schemas.microsoft.com/office/drawing/2014/main" id="{1516AAF1-D265-41AE-8B8E-EC16E4870B63}"/>
+                <a16:creationId xmlns:a16="http://schemas.microsoft.com/office/drawing/2014/main" xmlns="" id="{1516AAF1-D265-41AE-8B8E-EC16E4870B63}"/>
               </a:ext>
             </a:extLst>
           </p:cNvPr>
@@ -7514,7 +7642,7 @@
           <p:cNvPr id="13" name="그림 12">
             <a:extLst>
               <a:ext uri="{FF2B5EF4-FFF2-40B4-BE49-F238E27FC236}">
-                <a16:creationId xmlns:a16="http://schemas.microsoft.com/office/drawing/2014/main" id="{36DD1A01-9372-49E2-BF48-D174B3D30BFC}"/>
+                <a16:creationId xmlns:a16="http://schemas.microsoft.com/office/drawing/2014/main" xmlns="" id="{36DD1A01-9372-49E2-BF48-D174B3D30BFC}"/>
               </a:ext>
             </a:extLst>
           </p:cNvPr>
@@ -7544,7 +7672,7 @@
           <p:cNvPr id="14" name="TextBox 13">
             <a:extLst>
               <a:ext uri="{FF2B5EF4-FFF2-40B4-BE49-F238E27FC236}">
-                <a16:creationId xmlns:a16="http://schemas.microsoft.com/office/drawing/2014/main" id="{480AA4F1-AF6F-440E-9094-F72A5DCCE4DD}"/>
+                <a16:creationId xmlns:a16="http://schemas.microsoft.com/office/drawing/2014/main" xmlns="" id="{480AA4F1-AF6F-440E-9094-F72A5DCCE4DD}"/>
               </a:ext>
             </a:extLst>
           </p:cNvPr>
@@ -7652,7 +7780,7 @@
           <p:cNvPr id="16" name="그림 15">
             <a:extLst>
               <a:ext uri="{FF2B5EF4-FFF2-40B4-BE49-F238E27FC236}">
-                <a16:creationId xmlns:a16="http://schemas.microsoft.com/office/drawing/2014/main" id="{D4596F3E-8D5A-4429-9595-5F099D249344}"/>
+                <a16:creationId xmlns:a16="http://schemas.microsoft.com/office/drawing/2014/main" xmlns="" id="{D4596F3E-8D5A-4429-9595-5F099D249344}"/>
               </a:ext>
             </a:extLst>
           </p:cNvPr>
@@ -7682,7 +7810,7 @@
           <p:cNvPr id="17" name="화살표: 오른쪽 16">
             <a:extLst>
               <a:ext uri="{FF2B5EF4-FFF2-40B4-BE49-F238E27FC236}">
-                <a16:creationId xmlns:a16="http://schemas.microsoft.com/office/drawing/2014/main" id="{920E3FF4-8A10-45FE-8216-238064A5D142}"/>
+                <a16:creationId xmlns:a16="http://schemas.microsoft.com/office/drawing/2014/main" xmlns="" id="{920E3FF4-8A10-45FE-8216-238064A5D142}"/>
               </a:ext>
             </a:extLst>
           </p:cNvPr>
@@ -7758,7 +7886,7 @@
           <p:cNvPr id="2" name="제목 1">
             <a:extLst>
               <a:ext uri="{FF2B5EF4-FFF2-40B4-BE49-F238E27FC236}">
-                <a16:creationId xmlns:a16="http://schemas.microsoft.com/office/drawing/2014/main" id="{86436B27-75E9-4B5F-8CE6-4108DEF50F83}"/>
+                <a16:creationId xmlns:a16="http://schemas.microsoft.com/office/drawing/2014/main" xmlns="" id="{86436B27-75E9-4B5F-8CE6-4108DEF50F83}"/>
               </a:ext>
             </a:extLst>
           </p:cNvPr>
@@ -7790,7 +7918,7 @@
           <p:cNvPr id="3" name="TextBox 2">
             <a:extLst>
               <a:ext uri="{FF2B5EF4-FFF2-40B4-BE49-F238E27FC236}">
-                <a16:creationId xmlns:a16="http://schemas.microsoft.com/office/drawing/2014/main" id="{22DE11A3-AFCD-4044-8C4A-6C1C716F645B}"/>
+                <a16:creationId xmlns:a16="http://schemas.microsoft.com/office/drawing/2014/main" xmlns="" id="{22DE11A3-AFCD-4044-8C4A-6C1C716F645B}"/>
               </a:ext>
             </a:extLst>
           </p:cNvPr>
@@ -7829,7 +7957,7 @@
           <p:cNvPr id="4" name="TextBox 3">
             <a:extLst>
               <a:ext uri="{FF2B5EF4-FFF2-40B4-BE49-F238E27FC236}">
-                <a16:creationId xmlns:a16="http://schemas.microsoft.com/office/drawing/2014/main" id="{6DBDDB49-1233-4236-BCD2-97A08CECDDDA}"/>
+                <a16:creationId xmlns:a16="http://schemas.microsoft.com/office/drawing/2014/main" xmlns="" id="{6DBDDB49-1233-4236-BCD2-97A08CECDDDA}"/>
               </a:ext>
             </a:extLst>
           </p:cNvPr>
@@ -7869,7 +7997,7 @@
           <p:cNvPr id="7" name="그림 6">
             <a:extLst>
               <a:ext uri="{FF2B5EF4-FFF2-40B4-BE49-F238E27FC236}">
-                <a16:creationId xmlns:a16="http://schemas.microsoft.com/office/drawing/2014/main" id="{6712985A-8B5A-4A68-B9E9-FAF02629C30B}"/>
+                <a16:creationId xmlns:a16="http://schemas.microsoft.com/office/drawing/2014/main" xmlns="" id="{6712985A-8B5A-4A68-B9E9-FAF02629C30B}"/>
               </a:ext>
             </a:extLst>
           </p:cNvPr>
@@ -7899,7 +8027,7 @@
           <p:cNvPr id="5" name="그림 4">
             <a:extLst>
               <a:ext uri="{FF2B5EF4-FFF2-40B4-BE49-F238E27FC236}">
-                <a16:creationId xmlns:a16="http://schemas.microsoft.com/office/drawing/2014/main" id="{22E3455C-576E-431C-A96B-93EB915AE734}"/>
+                <a16:creationId xmlns:a16="http://schemas.microsoft.com/office/drawing/2014/main" xmlns="" id="{22E3455C-576E-431C-A96B-93EB915AE734}"/>
               </a:ext>
             </a:extLst>
           </p:cNvPr>
@@ -7929,7 +8057,7 @@
           <p:cNvPr id="9" name="그림 8">
             <a:extLst>
               <a:ext uri="{FF2B5EF4-FFF2-40B4-BE49-F238E27FC236}">
-                <a16:creationId xmlns:a16="http://schemas.microsoft.com/office/drawing/2014/main" id="{0B7C065C-4BC1-447F-A7AE-CBFA91F2908D}"/>
+                <a16:creationId xmlns:a16="http://schemas.microsoft.com/office/drawing/2014/main" xmlns="" id="{0B7C065C-4BC1-447F-A7AE-CBFA91F2908D}"/>
               </a:ext>
             </a:extLst>
           </p:cNvPr>
@@ -7959,7 +8087,7 @@
           <p:cNvPr id="11" name="그림 10">
             <a:extLst>
               <a:ext uri="{FF2B5EF4-FFF2-40B4-BE49-F238E27FC236}">
-                <a16:creationId xmlns:a16="http://schemas.microsoft.com/office/drawing/2014/main" id="{221530FB-12CE-4F60-9099-5924AB73EEB4}"/>
+                <a16:creationId xmlns:a16="http://schemas.microsoft.com/office/drawing/2014/main" xmlns="" id="{221530FB-12CE-4F60-9099-5924AB73EEB4}"/>
               </a:ext>
             </a:extLst>
           </p:cNvPr>
@@ -8019,7 +8147,7 @@
           <p:cNvPr id="2" name="제목 1">
             <a:extLst>
               <a:ext uri="{FF2B5EF4-FFF2-40B4-BE49-F238E27FC236}">
-                <a16:creationId xmlns:a16="http://schemas.microsoft.com/office/drawing/2014/main" id="{86436B27-75E9-4B5F-8CE6-4108DEF50F83}"/>
+                <a16:creationId xmlns:a16="http://schemas.microsoft.com/office/drawing/2014/main" xmlns="" id="{86436B27-75E9-4B5F-8CE6-4108DEF50F83}"/>
               </a:ext>
             </a:extLst>
           </p:cNvPr>
@@ -8051,7 +8179,7 @@
           <p:cNvPr id="3" name="TextBox 2">
             <a:extLst>
               <a:ext uri="{FF2B5EF4-FFF2-40B4-BE49-F238E27FC236}">
-                <a16:creationId xmlns:a16="http://schemas.microsoft.com/office/drawing/2014/main" id="{22DE11A3-AFCD-4044-8C4A-6C1C716F645B}"/>
+                <a16:creationId xmlns:a16="http://schemas.microsoft.com/office/drawing/2014/main" xmlns="" id="{22DE11A3-AFCD-4044-8C4A-6C1C716F645B}"/>
               </a:ext>
             </a:extLst>
           </p:cNvPr>
@@ -8090,7 +8218,7 @@
           <p:cNvPr id="4" name="TextBox 3">
             <a:extLst>
               <a:ext uri="{FF2B5EF4-FFF2-40B4-BE49-F238E27FC236}">
-                <a16:creationId xmlns:a16="http://schemas.microsoft.com/office/drawing/2014/main" id="{6DBDDB49-1233-4236-BCD2-97A08CECDDDA}"/>
+                <a16:creationId xmlns:a16="http://schemas.microsoft.com/office/drawing/2014/main" xmlns="" id="{6DBDDB49-1233-4236-BCD2-97A08CECDDDA}"/>
               </a:ext>
             </a:extLst>
           </p:cNvPr>
@@ -8138,7 +8266,7 @@
           <p:cNvPr id="8" name="그림 7">
             <a:extLst>
               <a:ext uri="{FF2B5EF4-FFF2-40B4-BE49-F238E27FC236}">
-                <a16:creationId xmlns:a16="http://schemas.microsoft.com/office/drawing/2014/main" id="{3D5EE525-662F-4BC6-9E26-C8C9DAA20B6F}"/>
+                <a16:creationId xmlns:a16="http://schemas.microsoft.com/office/drawing/2014/main" xmlns="" id="{3D5EE525-662F-4BC6-9E26-C8C9DAA20B6F}"/>
               </a:ext>
             </a:extLst>
           </p:cNvPr>
@@ -8168,7 +8296,7 @@
           <p:cNvPr id="12" name="TextBox 11">
             <a:extLst>
               <a:ext uri="{FF2B5EF4-FFF2-40B4-BE49-F238E27FC236}">
-                <a16:creationId xmlns:a16="http://schemas.microsoft.com/office/drawing/2014/main" id="{67275BA5-056A-41C3-A2AA-EB7624EA128C}"/>
+                <a16:creationId xmlns:a16="http://schemas.microsoft.com/office/drawing/2014/main" xmlns="" id="{67275BA5-056A-41C3-A2AA-EB7624EA128C}"/>
               </a:ext>
             </a:extLst>
           </p:cNvPr>
@@ -8207,7 +8335,7 @@
           <p:cNvPr id="13" name="TextBox 12">
             <a:extLst>
               <a:ext uri="{FF2B5EF4-FFF2-40B4-BE49-F238E27FC236}">
-                <a16:creationId xmlns:a16="http://schemas.microsoft.com/office/drawing/2014/main" id="{00090F29-0C38-45AF-8C1C-BE9CF1F79AF8}"/>
+                <a16:creationId xmlns:a16="http://schemas.microsoft.com/office/drawing/2014/main" xmlns="" id="{00090F29-0C38-45AF-8C1C-BE9CF1F79AF8}"/>
               </a:ext>
             </a:extLst>
           </p:cNvPr>
@@ -8248,7 +8376,7 @@
           <p:cNvPr id="18" name="그림 17">
             <a:extLst>
               <a:ext uri="{FF2B5EF4-FFF2-40B4-BE49-F238E27FC236}">
-                <a16:creationId xmlns:a16="http://schemas.microsoft.com/office/drawing/2014/main" id="{0503DD64-9113-404D-8CC4-671F6534232E}"/>
+                <a16:creationId xmlns:a16="http://schemas.microsoft.com/office/drawing/2014/main" xmlns="" id="{0503DD64-9113-404D-8CC4-671F6534232E}"/>
               </a:ext>
             </a:extLst>
           </p:cNvPr>
@@ -8278,7 +8406,7 @@
           <p:cNvPr id="22" name="그룹 21">
             <a:extLst>
               <a:ext uri="{FF2B5EF4-FFF2-40B4-BE49-F238E27FC236}">
-                <a16:creationId xmlns:a16="http://schemas.microsoft.com/office/drawing/2014/main" id="{E49C4DE1-8FFF-43EF-893A-3C1209FCFB51}"/>
+                <a16:creationId xmlns:a16="http://schemas.microsoft.com/office/drawing/2014/main" xmlns="" id="{E49C4DE1-8FFF-43EF-893A-3C1209FCFB51}"/>
               </a:ext>
             </a:extLst>
           </p:cNvPr>
@@ -8298,7 +8426,7 @@
             <p:cNvPr id="16" name="그림 15">
               <a:extLst>
                 <a:ext uri="{FF2B5EF4-FFF2-40B4-BE49-F238E27FC236}">
-                  <a16:creationId xmlns:a16="http://schemas.microsoft.com/office/drawing/2014/main" id="{BA31DDDD-10AF-4CC4-9E0F-C8E6A982BE90}"/>
+                  <a16:creationId xmlns:a16="http://schemas.microsoft.com/office/drawing/2014/main" xmlns="" id="{BA31DDDD-10AF-4CC4-9E0F-C8E6A982BE90}"/>
                 </a:ext>
               </a:extLst>
             </p:cNvPr>
@@ -8328,7 +8456,7 @@
             <p:cNvPr id="19" name="직사각형 18">
               <a:extLst>
                 <a:ext uri="{FF2B5EF4-FFF2-40B4-BE49-F238E27FC236}">
-                  <a16:creationId xmlns:a16="http://schemas.microsoft.com/office/drawing/2014/main" id="{E9EB99E5-297C-498E-9C6D-FAA665556963}"/>
+                  <a16:creationId xmlns:a16="http://schemas.microsoft.com/office/drawing/2014/main" xmlns="" id="{E9EB99E5-297C-498E-9C6D-FAA665556963}"/>
                 </a:ext>
               </a:extLst>
             </p:cNvPr>
@@ -8498,7 +8626,7 @@
               <a:prstDash val="lgDashDotDot"/>
               <a:extLst>
                 <a:ext uri="{C807C97D-BFC1-408E-A445-0C87EB9F89A2}">
-                  <ask:lineSketchStyleProps xmlns:ask="http://schemas.microsoft.com/office/drawing/2018/sketchyshapes" sd="981765707">
+                  <ask:lineSketchStyleProps xmlns:ask="http://schemas.microsoft.com/office/drawing/2018/sketchyshapes" xmlns="" sd="981765707">
                     <a:prstGeom prst="rect">
                       <a:avLst/>
                     </a:prstGeom>
@@ -8580,7 +8708,7 @@
             <p:cNvPr id="21" name="연결선: 꺾임 20">
               <a:extLst>
                 <a:ext uri="{FF2B5EF4-FFF2-40B4-BE49-F238E27FC236}">
-                  <a16:creationId xmlns:a16="http://schemas.microsoft.com/office/drawing/2014/main" id="{E15F1D00-D0AF-4A9D-90B8-8F7B9052FACD}"/>
+                  <a16:creationId xmlns:a16="http://schemas.microsoft.com/office/drawing/2014/main" xmlns="" id="{E15F1D00-D0AF-4A9D-90B8-8F7B9052FACD}"/>
                 </a:ext>
               </a:extLst>
             </p:cNvPr>
@@ -8623,7 +8751,7 @@
           <p:cNvPr id="24" name="그림 23">
             <a:extLst>
               <a:ext uri="{FF2B5EF4-FFF2-40B4-BE49-F238E27FC236}">
-                <a16:creationId xmlns:a16="http://schemas.microsoft.com/office/drawing/2014/main" id="{D82F69EE-0437-45D7-99FE-6FB0CB9E8D54}"/>
+                <a16:creationId xmlns:a16="http://schemas.microsoft.com/office/drawing/2014/main" xmlns="" id="{D82F69EE-0437-45D7-99FE-6FB0CB9E8D54}"/>
               </a:ext>
             </a:extLst>
           </p:cNvPr>
@@ -8653,7 +8781,7 @@
           <p:cNvPr id="31" name="그룹 30">
             <a:extLst>
               <a:ext uri="{FF2B5EF4-FFF2-40B4-BE49-F238E27FC236}">
-                <a16:creationId xmlns:a16="http://schemas.microsoft.com/office/drawing/2014/main" id="{CA0B73DF-D018-4402-83C5-7EF0DDC97B86}"/>
+                <a16:creationId xmlns:a16="http://schemas.microsoft.com/office/drawing/2014/main" xmlns="" id="{CA0B73DF-D018-4402-83C5-7EF0DDC97B86}"/>
               </a:ext>
             </a:extLst>
           </p:cNvPr>
@@ -8673,7 +8801,7 @@
             <p:cNvPr id="26" name="직선 연결선 25">
               <a:extLst>
                 <a:ext uri="{FF2B5EF4-FFF2-40B4-BE49-F238E27FC236}">
-                  <a16:creationId xmlns:a16="http://schemas.microsoft.com/office/drawing/2014/main" id="{E0AD805F-AED0-4397-BAFC-16C589B97959}"/>
+                  <a16:creationId xmlns:a16="http://schemas.microsoft.com/office/drawing/2014/main" xmlns="" id="{E0AD805F-AED0-4397-BAFC-16C589B97959}"/>
                 </a:ext>
               </a:extLst>
             </p:cNvPr>
@@ -8714,7 +8842,7 @@
             <p:cNvPr id="28" name="직선 연결선 27">
               <a:extLst>
                 <a:ext uri="{FF2B5EF4-FFF2-40B4-BE49-F238E27FC236}">
-                  <a16:creationId xmlns:a16="http://schemas.microsoft.com/office/drawing/2014/main" id="{84FC458D-CA75-4CF8-83B7-AC9102387625}"/>
+                  <a16:creationId xmlns:a16="http://schemas.microsoft.com/office/drawing/2014/main" xmlns="" id="{84FC458D-CA75-4CF8-83B7-AC9102387625}"/>
                 </a:ext>
               </a:extLst>
             </p:cNvPr>
@@ -8784,7 +8912,7 @@
           <p:cNvPr id="2" name="제목 1">
             <a:extLst>
               <a:ext uri="{FF2B5EF4-FFF2-40B4-BE49-F238E27FC236}">
-                <a16:creationId xmlns:a16="http://schemas.microsoft.com/office/drawing/2014/main" id="{1A678AA9-27D0-4D96-AFA4-D64F7FC2DC1D}"/>
+                <a16:creationId xmlns:a16="http://schemas.microsoft.com/office/drawing/2014/main" xmlns="" id="{1A678AA9-27D0-4D96-AFA4-D64F7FC2DC1D}"/>
               </a:ext>
             </a:extLst>
           </p:cNvPr>
@@ -8814,7 +8942,7 @@
           <p:cNvPr id="3" name="TextBox 2">
             <a:extLst>
               <a:ext uri="{FF2B5EF4-FFF2-40B4-BE49-F238E27FC236}">
-                <a16:creationId xmlns:a16="http://schemas.microsoft.com/office/drawing/2014/main" id="{FEC24C57-2F28-4B8F-B1B7-83D8494B5560}"/>
+                <a16:creationId xmlns:a16="http://schemas.microsoft.com/office/drawing/2014/main" xmlns="" id="{FEC24C57-2F28-4B8F-B1B7-83D8494B5560}"/>
               </a:ext>
             </a:extLst>
           </p:cNvPr>
@@ -8853,7 +8981,7 @@
           <p:cNvPr id="4" name="TextBox 3">
             <a:extLst>
               <a:ext uri="{FF2B5EF4-FFF2-40B4-BE49-F238E27FC236}">
-                <a16:creationId xmlns:a16="http://schemas.microsoft.com/office/drawing/2014/main" id="{1EDBEACE-E099-432D-B4ED-48F1A3A9D43F}"/>
+                <a16:creationId xmlns:a16="http://schemas.microsoft.com/office/drawing/2014/main" xmlns="" id="{1EDBEACE-E099-432D-B4ED-48F1A3A9D43F}"/>
               </a:ext>
             </a:extLst>
           </p:cNvPr>
@@ -8939,7 +9067,7 @@
           <p:cNvPr id="6" name="그림 5">
             <a:extLst>
               <a:ext uri="{FF2B5EF4-FFF2-40B4-BE49-F238E27FC236}">
-                <a16:creationId xmlns:a16="http://schemas.microsoft.com/office/drawing/2014/main" id="{58889C5A-8678-4B0A-95E0-7CA346D9D815}"/>
+                <a16:creationId xmlns:a16="http://schemas.microsoft.com/office/drawing/2014/main" xmlns="" id="{58889C5A-8678-4B0A-95E0-7CA346D9D815}"/>
               </a:ext>
             </a:extLst>
           </p:cNvPr>
@@ -8969,7 +9097,7 @@
           <p:cNvPr id="7" name="그림 6">
             <a:extLst>
               <a:ext uri="{FF2B5EF4-FFF2-40B4-BE49-F238E27FC236}">
-                <a16:creationId xmlns:a16="http://schemas.microsoft.com/office/drawing/2014/main" id="{80C8D10B-4539-46EA-910F-06A9AD9F1855}"/>
+                <a16:creationId xmlns:a16="http://schemas.microsoft.com/office/drawing/2014/main" xmlns="" id="{80C8D10B-4539-46EA-910F-06A9AD9F1855}"/>
               </a:ext>
             </a:extLst>
           </p:cNvPr>
@@ -8999,7 +9127,7 @@
           <p:cNvPr id="8" name="TextBox 7">
             <a:extLst>
               <a:ext uri="{FF2B5EF4-FFF2-40B4-BE49-F238E27FC236}">
-                <a16:creationId xmlns:a16="http://schemas.microsoft.com/office/drawing/2014/main" id="{F557B607-54B2-465E-883A-9F52D45728BD}"/>
+                <a16:creationId xmlns:a16="http://schemas.microsoft.com/office/drawing/2014/main" xmlns="" id="{F557B607-54B2-465E-883A-9F52D45728BD}"/>
               </a:ext>
             </a:extLst>
           </p:cNvPr>
@@ -9034,7 +9162,7 @@
           <p:cNvPr id="9" name="TextBox 8">
             <a:extLst>
               <a:ext uri="{FF2B5EF4-FFF2-40B4-BE49-F238E27FC236}">
-                <a16:creationId xmlns:a16="http://schemas.microsoft.com/office/drawing/2014/main" id="{99EAFD06-ED24-43E2-B5DF-486FC0054D58}"/>
+                <a16:creationId xmlns:a16="http://schemas.microsoft.com/office/drawing/2014/main" xmlns="" id="{99EAFD06-ED24-43E2-B5DF-486FC0054D58}"/>
               </a:ext>
             </a:extLst>
           </p:cNvPr>
@@ -9107,7 +9235,7 @@
           <p:cNvPr id="11" name="연결선: 구부러짐 10">
             <a:extLst>
               <a:ext uri="{FF2B5EF4-FFF2-40B4-BE49-F238E27FC236}">
-                <a16:creationId xmlns:a16="http://schemas.microsoft.com/office/drawing/2014/main" id="{BDAD17FC-450F-443E-9255-39EDB0B04D12}"/>
+                <a16:creationId xmlns:a16="http://schemas.microsoft.com/office/drawing/2014/main" xmlns="" id="{BDAD17FC-450F-443E-9255-39EDB0B04D12}"/>
               </a:ext>
             </a:extLst>
           </p:cNvPr>
@@ -9152,7 +9280,7 @@
           <p:cNvPr id="13" name="그림 12">
             <a:extLst>
               <a:ext uri="{FF2B5EF4-FFF2-40B4-BE49-F238E27FC236}">
-                <a16:creationId xmlns:a16="http://schemas.microsoft.com/office/drawing/2014/main" id="{4B1C34AF-0D38-4A8E-AA39-C404891A444D}"/>
+                <a16:creationId xmlns:a16="http://schemas.microsoft.com/office/drawing/2014/main" xmlns="" id="{4B1C34AF-0D38-4A8E-AA39-C404891A444D}"/>
               </a:ext>
             </a:extLst>
           </p:cNvPr>
@@ -9212,7 +9340,7 @@
           <p:cNvPr id="2" name="제목 1">
             <a:extLst>
               <a:ext uri="{FF2B5EF4-FFF2-40B4-BE49-F238E27FC236}">
-                <a16:creationId xmlns:a16="http://schemas.microsoft.com/office/drawing/2014/main" id="{1A678AA9-27D0-4D96-AFA4-D64F7FC2DC1D}"/>
+                <a16:creationId xmlns:a16="http://schemas.microsoft.com/office/drawing/2014/main" xmlns="" id="{1A678AA9-27D0-4D96-AFA4-D64F7FC2DC1D}"/>
               </a:ext>
             </a:extLst>
           </p:cNvPr>
@@ -9242,7 +9370,7 @@
           <p:cNvPr id="15" name="TextBox 14">
             <a:extLst>
               <a:ext uri="{FF2B5EF4-FFF2-40B4-BE49-F238E27FC236}">
-                <a16:creationId xmlns:a16="http://schemas.microsoft.com/office/drawing/2014/main" id="{BB8EDF67-6756-4597-9E3A-3AA7D503566F}"/>
+                <a16:creationId xmlns:a16="http://schemas.microsoft.com/office/drawing/2014/main" xmlns="" id="{BB8EDF67-6756-4597-9E3A-3AA7D503566F}"/>
               </a:ext>
             </a:extLst>
           </p:cNvPr>
@@ -9281,7 +9409,7 @@
           <p:cNvPr id="16" name="TextBox 15">
             <a:extLst>
               <a:ext uri="{FF2B5EF4-FFF2-40B4-BE49-F238E27FC236}">
-                <a16:creationId xmlns:a16="http://schemas.microsoft.com/office/drawing/2014/main" id="{86B5E7C9-87A6-4644-B885-6FF799567D96}"/>
+                <a16:creationId xmlns:a16="http://schemas.microsoft.com/office/drawing/2014/main" xmlns="" id="{86B5E7C9-87A6-4644-B885-6FF799567D96}"/>
               </a:ext>
             </a:extLst>
           </p:cNvPr>
@@ -9329,7 +9457,7 @@
           <p:cNvPr id="17" name="그룹 16">
             <a:extLst>
               <a:ext uri="{FF2B5EF4-FFF2-40B4-BE49-F238E27FC236}">
-                <a16:creationId xmlns:a16="http://schemas.microsoft.com/office/drawing/2014/main" id="{26CA3B81-4B29-4E39-873C-434B451F6D13}"/>
+                <a16:creationId xmlns:a16="http://schemas.microsoft.com/office/drawing/2014/main" xmlns="" id="{26CA3B81-4B29-4E39-873C-434B451F6D13}"/>
               </a:ext>
             </a:extLst>
           </p:cNvPr>
@@ -9349,7 +9477,7 @@
             <p:cNvPr id="18" name="그림 17">
               <a:extLst>
                 <a:ext uri="{FF2B5EF4-FFF2-40B4-BE49-F238E27FC236}">
-                  <a16:creationId xmlns:a16="http://schemas.microsoft.com/office/drawing/2014/main" id="{B4E9F01A-6768-4A5D-B810-6362567BDE20}"/>
+                  <a16:creationId xmlns:a16="http://schemas.microsoft.com/office/drawing/2014/main" xmlns="" id="{B4E9F01A-6768-4A5D-B810-6362567BDE20}"/>
                 </a:ext>
               </a:extLst>
             </p:cNvPr>
@@ -9379,7 +9507,7 @@
             <p:cNvPr id="19" name="TextBox 18">
               <a:extLst>
                 <a:ext uri="{FF2B5EF4-FFF2-40B4-BE49-F238E27FC236}">
-                  <a16:creationId xmlns:a16="http://schemas.microsoft.com/office/drawing/2014/main" id="{D599848E-50F4-427B-BDEF-FA7AAA1AFA0C}"/>
+                  <a16:creationId xmlns:a16="http://schemas.microsoft.com/office/drawing/2014/main" xmlns="" id="{D599848E-50F4-427B-BDEF-FA7AAA1AFA0C}"/>
                 </a:ext>
               </a:extLst>
             </p:cNvPr>
@@ -9433,7 +9561,7 @@
             <p:cNvPr id="20" name="연결선: 꺾임 19">
               <a:extLst>
                 <a:ext uri="{FF2B5EF4-FFF2-40B4-BE49-F238E27FC236}">
-                  <a16:creationId xmlns:a16="http://schemas.microsoft.com/office/drawing/2014/main" id="{A2A56C74-E7F5-4427-9794-266CD25A1BFF}"/>
+                  <a16:creationId xmlns:a16="http://schemas.microsoft.com/office/drawing/2014/main" xmlns="" id="{A2A56C74-E7F5-4427-9794-266CD25A1BFF}"/>
                 </a:ext>
               </a:extLst>
             </p:cNvPr>
@@ -9474,7 +9602,7 @@
           <p:cNvPr id="21" name="그림 20">
             <a:extLst>
               <a:ext uri="{FF2B5EF4-FFF2-40B4-BE49-F238E27FC236}">
-                <a16:creationId xmlns:a16="http://schemas.microsoft.com/office/drawing/2014/main" id="{D8267A7F-8EA2-4FF7-912D-021A5BA0CD37}"/>
+                <a16:creationId xmlns:a16="http://schemas.microsoft.com/office/drawing/2014/main" xmlns="" id="{D8267A7F-8EA2-4FF7-912D-021A5BA0CD37}"/>
               </a:ext>
             </a:extLst>
           </p:cNvPr>
@@ -9504,7 +9632,7 @@
           <p:cNvPr id="23" name="그림 22">
             <a:extLst>
               <a:ext uri="{FF2B5EF4-FFF2-40B4-BE49-F238E27FC236}">
-                <a16:creationId xmlns:a16="http://schemas.microsoft.com/office/drawing/2014/main" id="{C5BFD72B-71D9-42B1-B387-8A0E776D57BB}"/>
+                <a16:creationId xmlns:a16="http://schemas.microsoft.com/office/drawing/2014/main" xmlns="" id="{C5BFD72B-71D9-42B1-B387-8A0E776D57BB}"/>
               </a:ext>
             </a:extLst>
           </p:cNvPr>
@@ -9534,7 +9662,7 @@
           <p:cNvPr id="24" name="TextBox 23">
             <a:extLst>
               <a:ext uri="{FF2B5EF4-FFF2-40B4-BE49-F238E27FC236}">
-                <a16:creationId xmlns:a16="http://schemas.microsoft.com/office/drawing/2014/main" id="{C0363872-AEFF-40B0-AF13-DDA52F2D79FF}"/>
+                <a16:creationId xmlns:a16="http://schemas.microsoft.com/office/drawing/2014/main" xmlns="" id="{C0363872-AEFF-40B0-AF13-DDA52F2D79FF}"/>
               </a:ext>
             </a:extLst>
           </p:cNvPr>
@@ -9585,6 +9713,10 @@
             <a:r>
               <a:rPr lang="ko-KR" altLang="en-US" sz="1100"/>
               <a:t>top → right → bottom으로 적용하다가 </a:t>
+            </a:r>
+            <a:r>
+              <a:rPr lang="en-US" altLang="ko-KR" sz="1100"/>
+              <a:t/>
             </a:r>
             <a:br>
               <a:rPr lang="en-US" altLang="ko-KR" sz="1100"/>
@@ -9723,7 +9855,7 @@
           <p:cNvPr id="2" name="제목 1">
             <a:extLst>
               <a:ext uri="{FF2B5EF4-FFF2-40B4-BE49-F238E27FC236}">
-                <a16:creationId xmlns:a16="http://schemas.microsoft.com/office/drawing/2014/main" id="{2B3262E0-6321-4BDF-9487-582041622DB1}"/>
+                <a16:creationId xmlns:a16="http://schemas.microsoft.com/office/drawing/2014/main" xmlns="" id="{2B3262E0-6321-4BDF-9487-582041622DB1}"/>
               </a:ext>
             </a:extLst>
           </p:cNvPr>
@@ -9751,7 +9883,7 @@
           <p:cNvPr id="3" name="TextBox 2">
             <a:extLst>
               <a:ext uri="{FF2B5EF4-FFF2-40B4-BE49-F238E27FC236}">
-                <a16:creationId xmlns:a16="http://schemas.microsoft.com/office/drawing/2014/main" id="{B3531371-4824-44BB-A87C-1ACF30317EAF}"/>
+                <a16:creationId xmlns:a16="http://schemas.microsoft.com/office/drawing/2014/main" xmlns="" id="{B3531371-4824-44BB-A87C-1ACF30317EAF}"/>
               </a:ext>
             </a:extLst>
           </p:cNvPr>
@@ -9790,7 +9922,7 @@
           <p:cNvPr id="4" name="TextBox 3">
             <a:extLst>
               <a:ext uri="{FF2B5EF4-FFF2-40B4-BE49-F238E27FC236}">
-                <a16:creationId xmlns:a16="http://schemas.microsoft.com/office/drawing/2014/main" id="{1C322413-2220-4FCA-BD00-41CA3F314D82}"/>
+                <a16:creationId xmlns:a16="http://schemas.microsoft.com/office/drawing/2014/main" xmlns="" id="{1C322413-2220-4FCA-BD00-41CA3F314D82}"/>
               </a:ext>
             </a:extLst>
           </p:cNvPr>
@@ -9846,7 +9978,7 @@
           <p:cNvPr id="5" name="TextBox 4">
             <a:extLst>
               <a:ext uri="{FF2B5EF4-FFF2-40B4-BE49-F238E27FC236}">
-                <a16:creationId xmlns:a16="http://schemas.microsoft.com/office/drawing/2014/main" id="{4310CA06-52C2-49D1-A07E-5541D7BEB626}"/>
+                <a16:creationId xmlns:a16="http://schemas.microsoft.com/office/drawing/2014/main" xmlns="" id="{4310CA06-52C2-49D1-A07E-5541D7BEB626}"/>
               </a:ext>
             </a:extLst>
           </p:cNvPr>
@@ -9885,7 +10017,7 @@
           <p:cNvPr id="6" name="TextBox 5">
             <a:extLst>
               <a:ext uri="{FF2B5EF4-FFF2-40B4-BE49-F238E27FC236}">
-                <a16:creationId xmlns:a16="http://schemas.microsoft.com/office/drawing/2014/main" id="{D0914440-AF69-4C80-BBAF-9AA28651F2A2}"/>
+                <a16:creationId xmlns:a16="http://schemas.microsoft.com/office/drawing/2014/main" xmlns="" id="{D0914440-AF69-4C80-BBAF-9AA28651F2A2}"/>
               </a:ext>
             </a:extLst>
           </p:cNvPr>
@@ -9982,7 +10114,7 @@
           <p:cNvPr id="8" name="그림 7">
             <a:extLst>
               <a:ext uri="{FF2B5EF4-FFF2-40B4-BE49-F238E27FC236}">
-                <a16:creationId xmlns:a16="http://schemas.microsoft.com/office/drawing/2014/main" id="{B0CD7C4D-373B-4D0F-BB01-F148C5C1940E}"/>
+                <a16:creationId xmlns:a16="http://schemas.microsoft.com/office/drawing/2014/main" xmlns="" id="{B0CD7C4D-373B-4D0F-BB01-F148C5C1940E}"/>
               </a:ext>
             </a:extLst>
           </p:cNvPr>
@@ -10012,7 +10144,7 @@
           <p:cNvPr id="10" name="그림 9">
             <a:extLst>
               <a:ext uri="{FF2B5EF4-FFF2-40B4-BE49-F238E27FC236}">
-                <a16:creationId xmlns:a16="http://schemas.microsoft.com/office/drawing/2014/main" id="{5E2ABBF1-2CB7-4152-A67D-BE1B8527E270}"/>
+                <a16:creationId xmlns:a16="http://schemas.microsoft.com/office/drawing/2014/main" xmlns="" id="{5E2ABBF1-2CB7-4152-A67D-BE1B8527E270}"/>
               </a:ext>
             </a:extLst>
           </p:cNvPr>
@@ -10072,7 +10204,7 @@
           <p:cNvPr id="2" name="제목 1">
             <a:extLst>
               <a:ext uri="{FF2B5EF4-FFF2-40B4-BE49-F238E27FC236}">
-                <a16:creationId xmlns:a16="http://schemas.microsoft.com/office/drawing/2014/main" id="{5F9662B7-7655-4421-9CBC-039B16D64858}"/>
+                <a16:creationId xmlns:a16="http://schemas.microsoft.com/office/drawing/2014/main" xmlns="" id="{5F9662B7-7655-4421-9CBC-039B16D64858}"/>
               </a:ext>
             </a:extLst>
           </p:cNvPr>
@@ -10100,7 +10232,7 @@
           <p:cNvPr id="3" name="TextBox 2">
             <a:extLst>
               <a:ext uri="{FF2B5EF4-FFF2-40B4-BE49-F238E27FC236}">
-                <a16:creationId xmlns:a16="http://schemas.microsoft.com/office/drawing/2014/main" id="{ECD4B778-EF46-4DDA-8CC4-344399211D06}"/>
+                <a16:creationId xmlns:a16="http://schemas.microsoft.com/office/drawing/2014/main" xmlns="" id="{ECD4B778-EF46-4DDA-8CC4-344399211D06}"/>
               </a:ext>
             </a:extLst>
           </p:cNvPr>
@@ -10139,7 +10271,7 @@
           <p:cNvPr id="4" name="TextBox 3">
             <a:extLst>
               <a:ext uri="{FF2B5EF4-FFF2-40B4-BE49-F238E27FC236}">
-                <a16:creationId xmlns:a16="http://schemas.microsoft.com/office/drawing/2014/main" id="{4509D09A-70A4-498C-B393-C6870CD9595C}"/>
+                <a16:creationId xmlns:a16="http://schemas.microsoft.com/office/drawing/2014/main" xmlns="" id="{4509D09A-70A4-498C-B393-C6870CD9595C}"/>
               </a:ext>
             </a:extLst>
           </p:cNvPr>
@@ -10211,7 +10343,7 @@
           <p:cNvPr id="6" name="그림 5">
             <a:extLst>
               <a:ext uri="{FF2B5EF4-FFF2-40B4-BE49-F238E27FC236}">
-                <a16:creationId xmlns:a16="http://schemas.microsoft.com/office/drawing/2014/main" id="{E774C42C-7C71-486F-B15F-C69F789F3C4C}"/>
+                <a16:creationId xmlns:a16="http://schemas.microsoft.com/office/drawing/2014/main" xmlns="" id="{E774C42C-7C71-486F-B15F-C69F789F3C4C}"/>
               </a:ext>
             </a:extLst>
           </p:cNvPr>
@@ -10241,7 +10373,7 @@
           <p:cNvPr id="8" name="그림 7">
             <a:extLst>
               <a:ext uri="{FF2B5EF4-FFF2-40B4-BE49-F238E27FC236}">
-                <a16:creationId xmlns:a16="http://schemas.microsoft.com/office/drawing/2014/main" id="{068F14D1-F3F1-4D04-B9DF-603C13B7DA99}"/>
+                <a16:creationId xmlns:a16="http://schemas.microsoft.com/office/drawing/2014/main" xmlns="" id="{068F14D1-F3F1-4D04-B9DF-603C13B7DA99}"/>
               </a:ext>
             </a:extLst>
           </p:cNvPr>
@@ -10271,7 +10403,7 @@
           <p:cNvPr id="10" name="그림 9">
             <a:extLst>
               <a:ext uri="{FF2B5EF4-FFF2-40B4-BE49-F238E27FC236}">
-                <a16:creationId xmlns:a16="http://schemas.microsoft.com/office/drawing/2014/main" id="{AD85A935-A053-4536-AF4A-45D834A95185}"/>
+                <a16:creationId xmlns:a16="http://schemas.microsoft.com/office/drawing/2014/main" xmlns="" id="{AD85A935-A053-4536-AF4A-45D834A95185}"/>
               </a:ext>
             </a:extLst>
           </p:cNvPr>
@@ -10301,7 +10433,7 @@
           <p:cNvPr id="14" name="그림 13">
             <a:extLst>
               <a:ext uri="{FF2B5EF4-FFF2-40B4-BE49-F238E27FC236}">
-                <a16:creationId xmlns:a16="http://schemas.microsoft.com/office/drawing/2014/main" id="{11233F2D-A783-4BA9-B716-BA0A15CD5B14}"/>
+                <a16:creationId xmlns:a16="http://schemas.microsoft.com/office/drawing/2014/main" xmlns="" id="{11233F2D-A783-4BA9-B716-BA0A15CD5B14}"/>
               </a:ext>
             </a:extLst>
           </p:cNvPr>
@@ -10331,7 +10463,7 @@
           <p:cNvPr id="16" name="그림 15">
             <a:extLst>
               <a:ext uri="{FF2B5EF4-FFF2-40B4-BE49-F238E27FC236}">
-                <a16:creationId xmlns:a16="http://schemas.microsoft.com/office/drawing/2014/main" id="{B4A1DDDD-1C2C-4C71-88E4-0D875EAD06F8}"/>
+                <a16:creationId xmlns:a16="http://schemas.microsoft.com/office/drawing/2014/main" xmlns="" id="{B4A1DDDD-1C2C-4C71-88E4-0D875EAD06F8}"/>
               </a:ext>
             </a:extLst>
           </p:cNvPr>
@@ -10361,7 +10493,7 @@
           <p:cNvPr id="18" name="그림 17">
             <a:extLst>
               <a:ext uri="{FF2B5EF4-FFF2-40B4-BE49-F238E27FC236}">
-                <a16:creationId xmlns:a16="http://schemas.microsoft.com/office/drawing/2014/main" id="{51F0C2B0-6EE2-4189-8926-1B03E60B23E0}"/>
+                <a16:creationId xmlns:a16="http://schemas.microsoft.com/office/drawing/2014/main" xmlns="" id="{51F0C2B0-6EE2-4189-8926-1B03E60B23E0}"/>
               </a:ext>
             </a:extLst>
           </p:cNvPr>
@@ -10391,7 +10523,7 @@
           <p:cNvPr id="20" name="그림 19">
             <a:extLst>
               <a:ext uri="{FF2B5EF4-FFF2-40B4-BE49-F238E27FC236}">
-                <a16:creationId xmlns:a16="http://schemas.microsoft.com/office/drawing/2014/main" id="{B6BD51F0-32AF-4CA4-9DA3-790F6F6F5AA0}"/>
+                <a16:creationId xmlns:a16="http://schemas.microsoft.com/office/drawing/2014/main" xmlns="" id="{B6BD51F0-32AF-4CA4-9DA3-790F6F6F5AA0}"/>
               </a:ext>
             </a:extLst>
           </p:cNvPr>
@@ -10718,7 +10850,7 @@
   <a:extraClrSchemeLst/>
   <a:extLst>
     <a:ext uri="{05A4C25C-085E-4340-85A3-A5531E510DB2}">
-      <thm15:themeFamily xmlns:thm15="http://schemas.microsoft.com/office/thememl/2012/main" name="HCJ" id="{0138D6AD-1EF3-49F9-B0E7-D994D6EA1170}" vid="{0129D1E7-6EDF-4F3F-8503-6FA2AFD39B8A}"/>
+      <thm15:themeFamily xmlns:thm15="http://schemas.microsoft.com/office/thememl/2012/main" xmlns="" name="HCJ" id="{0138D6AD-1EF3-49F9-B0E7-D994D6EA1170}" vid="{0129D1E7-6EDF-4F3F-8503-6FA2AFD39B8A}"/>
     </a:ext>
   </a:extLst>
 </a:theme>
